--- a/Assignments/Semester2/E07-Poster.pptx
+++ b/Assignments/Semester2/E07-Poster.pptx
@@ -129,6 +129,13 @@
 <file path=ppt/commentAuthors.xml><?xml version="1.0" encoding="utf-8"?>
 <p:cmAuthorLst xmlns:a="http://schemas.openxmlformats.org/drawingml/2006/main" xmlns:r="http://schemas.openxmlformats.org/officeDocument/2006/relationships" xmlns:p="http://schemas.openxmlformats.org/presentationml/2006/main">
   <p:cmAuthor id="1" name="Guest User" initials="GU" lastIdx="2" clrIdx="0"/>
+  <p:cmAuthor id="2" name="Andrew Chapin" initials="AC" lastIdx="4" clrIdx="1">
+    <p:extLst>
+      <p:ext uri="{19B8F6BF-5375-455C-9EA6-DF929625EA0E}">
+        <p15:presenceInfo xmlns:p15="http://schemas.microsoft.com/office/powerpoint/2012/main" userId="1c6d49aad9381a94" providerId="Windows Live"/>
+      </p:ext>
+    </p:extLst>
+  </p:cmAuthor>
 </p:cmAuthorLst>
 </file>
 
@@ -146,6 +153,47 @@
     <p1510:client id="{F5E02977-F406-4F9D-9AD7-E84003300E3E}" v="44" dt="2020-04-06T22:30:10.152"/>
   </p1510:revLst>
 </p1510:revInfo>
+</file>
+
+<file path=ppt/comments/comment1.xml><?xml version="1.0" encoding="utf-8"?>
+<p:cmLst xmlns:a="http://schemas.openxmlformats.org/drawingml/2006/main" xmlns:r="http://schemas.openxmlformats.org/officeDocument/2006/relationships" xmlns:p="http://schemas.openxmlformats.org/presentationml/2006/main">
+  <p:cm authorId="2" dt="2020-04-13T14:39:26.607" idx="1">
+    <p:pos x="8766" y="8213"/>
+    <p:text>Fix diagram to match step above</p:text>
+    <p:extLst>
+      <p:ext uri="{C676402C-5697-4E1C-873F-D02D1690AC5C}">
+        <p15:threadingInfo xmlns:p15="http://schemas.microsoft.com/office/powerpoint/2012/main" timeZoneBias="240"/>
+      </p:ext>
+    </p:extLst>
+  </p:cm>
+  <p:cm authorId="2" dt="2020-04-13T14:42:53.166" idx="2">
+    <p:pos x="8771" y="16686"/>
+    <p:text>Too much white space. Fix Diagram</p:text>
+    <p:extLst>
+      <p:ext uri="{C676402C-5697-4E1C-873F-D02D1690AC5C}">
+        <p15:threadingInfo xmlns:p15="http://schemas.microsoft.com/office/powerpoint/2012/main" timeZoneBias="240"/>
+      </p:ext>
+    </p:extLst>
+  </p:cm>
+  <p:cm authorId="2" dt="2020-04-13T14:45:44.840" idx="3">
+    <p:pos x="17820" y="11100"/>
+    <p:text>Maybe replace with a table of technologies.</p:text>
+    <p:extLst>
+      <p:ext uri="{C676402C-5697-4E1C-873F-D02D1690AC5C}">
+        <p15:threadingInfo xmlns:p15="http://schemas.microsoft.com/office/powerpoint/2012/main" timeZoneBias="240"/>
+      </p:ext>
+    </p:extLst>
+  </p:cm>
+  <p:cm authorId="2" dt="2020-04-13T14:47:29.398" idx="4">
+    <p:pos x="27055" y="11882"/>
+    <p:text>Maybe fix spacing on this side.</p:text>
+    <p:extLst>
+      <p:ext uri="{C676402C-5697-4E1C-873F-D02D1690AC5C}">
+        <p15:threadingInfo xmlns:p15="http://schemas.microsoft.com/office/powerpoint/2012/main" timeZoneBias="240"/>
+      </p:ext>
+    </p:extLst>
+  </p:cm>
+</p:cmLst>
 </file>
 
 <file path=ppt/notesMasters/notesMaster1.xml><?xml version="1.0" encoding="utf-8"?>
@@ -230,7 +278,7 @@
           <a:p>
             <a:fld id="{75CEBCCD-048E-4605-8E02-164730C3FBDB}" type="datetimeFigureOut">
               <a:rPr lang="en-US" smtClean="0"/>
-              <a:t>4/6/2020</a:t>
+              <a:t>4/13/2020</a:t>
             </a:fld>
             <a:endParaRPr lang="en-US"/>
           </a:p>
@@ -626,7 +674,7 @@
           <a:p>
             <a:fld id="{144CE7FD-BDA6-4FF9-BDDB-E79D5B95A12F}" type="datetimeFigureOut">
               <a:rPr lang="en-US" smtClean="0"/>
-              <a:t>4/6/2020</a:t>
+              <a:t>4/13/2020</a:t>
             </a:fld>
             <a:endParaRPr lang="en-US"/>
           </a:p>
@@ -794,7 +842,7 @@
           <a:p>
             <a:fld id="{144CE7FD-BDA6-4FF9-BDDB-E79D5B95A12F}" type="datetimeFigureOut">
               <a:rPr lang="en-US" smtClean="0"/>
-              <a:t>4/6/2020</a:t>
+              <a:t>4/13/2020</a:t>
             </a:fld>
             <a:endParaRPr lang="en-US"/>
           </a:p>
@@ -972,7 +1020,7 @@
           <a:p>
             <a:fld id="{144CE7FD-BDA6-4FF9-BDDB-E79D5B95A12F}" type="datetimeFigureOut">
               <a:rPr lang="en-US" smtClean="0"/>
-              <a:t>4/6/2020</a:t>
+              <a:t>4/13/2020</a:t>
             </a:fld>
             <a:endParaRPr lang="en-US"/>
           </a:p>
@@ -1140,7 +1188,7 @@
           <a:p>
             <a:fld id="{144CE7FD-BDA6-4FF9-BDDB-E79D5B95A12F}" type="datetimeFigureOut">
               <a:rPr lang="en-US" smtClean="0"/>
-              <a:t>4/6/2020</a:t>
+              <a:t>4/13/2020</a:t>
             </a:fld>
             <a:endParaRPr lang="en-US"/>
           </a:p>
@@ -1383,7 +1431,7 @@
           <a:p>
             <a:fld id="{144CE7FD-BDA6-4FF9-BDDB-E79D5B95A12F}" type="datetimeFigureOut">
               <a:rPr lang="en-US" smtClean="0"/>
-              <a:t>4/6/2020</a:t>
+              <a:t>4/13/2020</a:t>
             </a:fld>
             <a:endParaRPr lang="en-US"/>
           </a:p>
@@ -1612,7 +1660,7 @@
           <a:p>
             <a:fld id="{144CE7FD-BDA6-4FF9-BDDB-E79D5B95A12F}" type="datetimeFigureOut">
               <a:rPr lang="en-US" smtClean="0"/>
-              <a:t>4/6/2020</a:t>
+              <a:t>4/13/2020</a:t>
             </a:fld>
             <a:endParaRPr lang="en-US"/>
           </a:p>
@@ -1976,7 +2024,7 @@
           <a:p>
             <a:fld id="{144CE7FD-BDA6-4FF9-BDDB-E79D5B95A12F}" type="datetimeFigureOut">
               <a:rPr lang="en-US" smtClean="0"/>
-              <a:t>4/6/2020</a:t>
+              <a:t>4/13/2020</a:t>
             </a:fld>
             <a:endParaRPr lang="en-US"/>
           </a:p>
@@ -2093,7 +2141,7 @@
           <a:p>
             <a:fld id="{144CE7FD-BDA6-4FF9-BDDB-E79D5B95A12F}" type="datetimeFigureOut">
               <a:rPr lang="en-US" smtClean="0"/>
-              <a:t>4/6/2020</a:t>
+              <a:t>4/13/2020</a:t>
             </a:fld>
             <a:endParaRPr lang="en-US"/>
           </a:p>
@@ -2188,7 +2236,7 @@
           <a:p>
             <a:fld id="{144CE7FD-BDA6-4FF9-BDDB-E79D5B95A12F}" type="datetimeFigureOut">
               <a:rPr lang="en-US" smtClean="0"/>
-              <a:t>4/6/2020</a:t>
+              <a:t>4/13/2020</a:t>
             </a:fld>
             <a:endParaRPr lang="en-US"/>
           </a:p>
@@ -2463,7 +2511,7 @@
           <a:p>
             <a:fld id="{144CE7FD-BDA6-4FF9-BDDB-E79D5B95A12F}" type="datetimeFigureOut">
               <a:rPr lang="en-US" smtClean="0"/>
-              <a:t>4/6/2020</a:t>
+              <a:t>4/13/2020</a:t>
             </a:fld>
             <a:endParaRPr lang="en-US"/>
           </a:p>
@@ -2718,7 +2766,7 @@
           <a:p>
             <a:fld id="{144CE7FD-BDA6-4FF9-BDDB-E79D5B95A12F}" type="datetimeFigureOut">
               <a:rPr lang="en-US" smtClean="0"/>
-              <a:t>4/6/2020</a:t>
+              <a:t>4/13/2020</a:t>
             </a:fld>
             <a:endParaRPr lang="en-US"/>
           </a:p>
@@ -2929,7 +2977,7 @@
           <a:p>
             <a:fld id="{144CE7FD-BDA6-4FF9-BDDB-E79D5B95A12F}" type="datetimeFigureOut">
               <a:rPr lang="en-US" smtClean="0"/>
-              <a:t>4/6/2020</a:t>
+              <a:t>4/13/2020</a:t>
             </a:fld>
             <a:endParaRPr lang="en-US"/>
           </a:p>
@@ -3368,9 +3416,7 @@
             <a:schemeClr val="bg1"/>
           </a:solidFill>
           <a:ln w="127000">
-            <a:solidFill>
-              <a:schemeClr val="tx1"/>
-            </a:solidFill>
+            <a:noFill/>
             <a:miter lim="800000"/>
             <a:headEnd/>
             <a:tailEnd/>
@@ -3453,9 +3499,7 @@
             <a:schemeClr val="bg1"/>
           </a:solidFill>
           <a:ln w="127000">
-            <a:solidFill>
-              <a:schemeClr val="tx1"/>
-            </a:solidFill>
+            <a:noFill/>
             <a:miter lim="800000"/>
             <a:headEnd/>
             <a:tailEnd/>
@@ -3511,9 +3555,7 @@
             <a:schemeClr val="bg1"/>
           </a:solidFill>
           <a:ln w="127000">
-            <a:solidFill>
-              <a:schemeClr val="tx1"/>
-            </a:solidFill>
+            <a:noFill/>
             <a:miter lim="800000"/>
             <a:headEnd/>
             <a:tailEnd/>
@@ -3914,9 +3956,7 @@
             <a:schemeClr val="bg1"/>
           </a:solidFill>
           <a:ln w="127000">
-            <a:solidFill>
-              <a:schemeClr val="tx1"/>
-            </a:solidFill>
+            <a:noFill/>
             <a:miter lim="800000"/>
             <a:headEnd/>
             <a:tailEnd/>
@@ -3977,7 +4017,7 @@
           <a:p>
             <a:pPr algn="ctr"/>
             <a:r>
-              <a:rPr lang="en-US" sz="4400" b="1">
+              <a:rPr lang="en-US" sz="4400" b="1" dirty="0">
                 <a:solidFill>
                   <a:srgbClr val="1A3668"/>
                 </a:solidFill>
@@ -3986,195 +4026,195 @@
               </a:rPr>
               <a:t>Implementation</a:t>
             </a:r>
-            <a:endParaRPr lang="en-US">
+            <a:endParaRPr lang="en-US" dirty="0">
               <a:latin typeface="Times New Roman"/>
               <a:cs typeface="Times New Roman"/>
             </a:endParaRPr>
           </a:p>
           <a:p>
-            <a:endParaRPr lang="en-US" sz="2200">
+            <a:endParaRPr lang="en-US" sz="2200" dirty="0">
               <a:latin typeface="Times New Roman"/>
               <a:cs typeface="Times New Roman"/>
             </a:endParaRPr>
           </a:p>
           <a:p>
             <a:r>
-              <a:rPr lang="en-US" sz="2200">
+              <a:rPr lang="en-US" sz="2200" dirty="0">
                 <a:latin typeface="Times New Roman"/>
                 <a:cs typeface="Times New Roman"/>
               </a:rPr>
               <a:t>Both tools were written in the C++ programming language.  We choose C++ because it allowed us to perform low-level memory management and it contained the functionality via standard or external libraries to achieve the requirements set forth.  Also, by writing both the Packer and Loader in the same programming language, we were able to duplicate effort (e.g. the encryption function could be easily ported into the decryption function for the loader).  For our development environment, we utilized a </a:t>
             </a:r>
             <a:r>
-              <a:rPr lang="en-US" sz="2200" err="1">
+              <a:rPr lang="en-US" sz="2200" dirty="0" err="1">
                 <a:latin typeface="Times New Roman"/>
                 <a:cs typeface="Times New Roman"/>
               </a:rPr>
               <a:t>Manjaro</a:t>
             </a:r>
             <a:r>
-              <a:rPr lang="en-US" sz="2200">
+              <a:rPr lang="en-US" sz="2200" dirty="0">
                 <a:latin typeface="Times New Roman"/>
                 <a:cs typeface="Times New Roman"/>
               </a:rPr>
               <a:t> Virtual Machine (VM) running Eclipse to code the Packer and part of the Loader development.  By sharing this VM, our development team was able to ensure that the code would build and compile without having to worry about "it worked on my system" problems.  For most of the loader development, we utilized Microsoft Visual Studio – since the loader was meant to run on Windows Operating Systems (OS). </a:t>
             </a:r>
-            <a:endParaRPr lang="en-US" sz="2200">
+            <a:endParaRPr lang="en-US" sz="2200" dirty="0">
               <a:latin typeface="Times New Roman" panose="02020603050405020304" pitchFamily="18" charset="0"/>
               <a:cs typeface="Times New Roman" panose="02020603050405020304" pitchFamily="18" charset="0"/>
             </a:endParaRPr>
           </a:p>
           <a:p>
-            <a:endParaRPr lang="en-US" sz="2200">
+            <a:endParaRPr lang="en-US" sz="2200" dirty="0">
               <a:latin typeface="Times New Roman"/>
               <a:cs typeface="Times New Roman"/>
             </a:endParaRPr>
           </a:p>
           <a:p>
-            <a:endParaRPr lang="en-US" sz="2200">
+            <a:endParaRPr lang="en-US" sz="2200" dirty="0">
               <a:latin typeface="Times New Roman"/>
               <a:cs typeface="Times New Roman"/>
             </a:endParaRPr>
           </a:p>
           <a:p>
-            <a:endParaRPr lang="en-US" sz="2200">
+            <a:endParaRPr lang="en-US" sz="2200" dirty="0">
               <a:latin typeface="Times New Roman"/>
               <a:cs typeface="Times New Roman"/>
             </a:endParaRPr>
           </a:p>
           <a:p>
-            <a:endParaRPr lang="en-US" sz="2200">
+            <a:endParaRPr lang="en-US" sz="2200" dirty="0">
               <a:latin typeface="Times New Roman"/>
               <a:cs typeface="Times New Roman"/>
             </a:endParaRPr>
           </a:p>
           <a:p>
-            <a:endParaRPr lang="en-US" sz="2200">
+            <a:endParaRPr lang="en-US" sz="2200" dirty="0">
               <a:latin typeface="Times New Roman"/>
               <a:cs typeface="Times New Roman"/>
             </a:endParaRPr>
           </a:p>
           <a:p>
-            <a:endParaRPr lang="en-US" sz="2200">
+            <a:endParaRPr lang="en-US" sz="2200" dirty="0">
               <a:latin typeface="Times New Roman"/>
               <a:cs typeface="Times New Roman"/>
             </a:endParaRPr>
           </a:p>
           <a:p>
-            <a:endParaRPr lang="en-US" sz="2200">
+            <a:endParaRPr lang="en-US" sz="2200" dirty="0">
               <a:latin typeface="Times New Roman"/>
               <a:cs typeface="Times New Roman"/>
             </a:endParaRPr>
           </a:p>
           <a:p>
-            <a:endParaRPr lang="en-US" sz="2200">
+            <a:endParaRPr lang="en-US" sz="2200" dirty="0">
               <a:latin typeface="Times New Roman"/>
               <a:cs typeface="Times New Roman"/>
             </a:endParaRPr>
           </a:p>
           <a:p>
-            <a:endParaRPr lang="en-US" sz="2200">
+            <a:endParaRPr lang="en-US" sz="2200" dirty="0">
               <a:latin typeface="Times New Roman"/>
               <a:cs typeface="Times New Roman"/>
             </a:endParaRPr>
           </a:p>
           <a:p>
-            <a:endParaRPr lang="en-US" sz="2200">
+            <a:endParaRPr lang="en-US" sz="2200" dirty="0">
               <a:latin typeface="Times New Roman"/>
               <a:cs typeface="Times New Roman"/>
             </a:endParaRPr>
           </a:p>
           <a:p>
-            <a:endParaRPr lang="en-US" sz="2200">
+            <a:endParaRPr lang="en-US" sz="2200" dirty="0">
               <a:latin typeface="Times New Roman"/>
               <a:cs typeface="Times New Roman"/>
             </a:endParaRPr>
           </a:p>
           <a:p>
-            <a:endParaRPr lang="en-US" sz="2200">
+            <a:endParaRPr lang="en-US" sz="2200" dirty="0">
               <a:latin typeface="Times New Roman"/>
               <a:cs typeface="Times New Roman"/>
             </a:endParaRPr>
           </a:p>
           <a:p>
-            <a:endParaRPr lang="en-US" sz="2200">
+            <a:endParaRPr lang="en-US" sz="2200" dirty="0">
               <a:latin typeface="Times New Roman"/>
               <a:cs typeface="Times New Roman"/>
             </a:endParaRPr>
           </a:p>
           <a:p>
-            <a:endParaRPr lang="en-US" sz="2200">
+            <a:endParaRPr lang="en-US" sz="2200" dirty="0">
               <a:latin typeface="Times New Roman"/>
               <a:cs typeface="Times New Roman"/>
             </a:endParaRPr>
           </a:p>
           <a:p>
-            <a:endParaRPr lang="en-US" sz="2200">
+            <a:endParaRPr lang="en-US" sz="2200" dirty="0">
               <a:latin typeface="Times New Roman"/>
               <a:cs typeface="Times New Roman"/>
             </a:endParaRPr>
           </a:p>
           <a:p>
-            <a:endParaRPr lang="en-US" sz="2200">
+            <a:endParaRPr lang="en-US" sz="2200" dirty="0">
               <a:latin typeface="Times New Roman"/>
               <a:cs typeface="Times New Roman"/>
             </a:endParaRPr>
           </a:p>
           <a:p>
-            <a:endParaRPr lang="en-US" sz="2200">
+            <a:endParaRPr lang="en-US" sz="2200" dirty="0">
               <a:latin typeface="Times New Roman"/>
               <a:cs typeface="Times New Roman"/>
             </a:endParaRPr>
           </a:p>
           <a:p>
-            <a:endParaRPr lang="en-US" sz="2200">
+            <a:endParaRPr lang="en-US" sz="2200" dirty="0">
               <a:latin typeface="Times New Roman"/>
               <a:cs typeface="Times New Roman"/>
             </a:endParaRPr>
           </a:p>
           <a:p>
-            <a:endParaRPr lang="en-US" sz="2200">
+            <a:endParaRPr lang="en-US" sz="2200" dirty="0">
               <a:latin typeface="Times New Roman"/>
               <a:cs typeface="Times New Roman"/>
             </a:endParaRPr>
           </a:p>
           <a:p>
-            <a:endParaRPr lang="en-US" sz="2200">
+            <a:endParaRPr lang="en-US" sz="2200" dirty="0">
               <a:latin typeface="Times New Roman"/>
               <a:cs typeface="Times New Roman"/>
             </a:endParaRPr>
           </a:p>
           <a:p>
             <a:r>
-              <a:rPr lang="en-US" sz="2200">
+              <a:rPr lang="en-US" sz="2200" dirty="0">
                 <a:latin typeface="Times New Roman"/>
                 <a:cs typeface="Times New Roman"/>
               </a:rPr>
               <a:t>We utilized external C++ libraries that supported our needs for compression (</a:t>
             </a:r>
             <a:r>
-              <a:rPr lang="en-US" sz="2200" err="1">
+              <a:rPr lang="en-US" sz="2200" dirty="0" err="1">
                 <a:latin typeface="Times New Roman"/>
                 <a:cs typeface="Times New Roman"/>
               </a:rPr>
               <a:t>miniz</a:t>
             </a:r>
             <a:r>
-              <a:rPr lang="en-US" sz="2200">
+              <a:rPr lang="en-US" sz="2200" dirty="0">
                 <a:latin typeface="Times New Roman"/>
                 <a:cs typeface="Times New Roman"/>
               </a:rPr>
               <a:t> library – which implements </a:t>
             </a:r>
             <a:r>
-              <a:rPr lang="en-US" sz="2200" err="1">
+              <a:rPr lang="en-US" sz="2200" dirty="0" err="1">
                 <a:latin typeface="Times New Roman"/>
                 <a:cs typeface="Calibri"/>
               </a:rPr>
               <a:t>zlib</a:t>
             </a:r>
             <a:r>
-              <a:rPr lang="en-US" sz="2200">
+              <a:rPr lang="en-US" sz="2200" dirty="0">
                 <a:latin typeface="Times New Roman"/>
                 <a:ea typeface="+mn-lt"/>
                 <a:cs typeface="+mn-lt"/>
@@ -4182,7 +4222,7 @@
               <a:t> (RFC 1950) and Deflate (RFC 1951) compressed data format specification standards); AES-256 encryption (</a:t>
             </a:r>
             <a:r>
-              <a:rPr lang="en-US" sz="2200" err="1">
+              <a:rPr lang="en-US" sz="2200" dirty="0" err="1">
                 <a:latin typeface="Times New Roman"/>
                 <a:ea typeface="+mn-lt"/>
                 <a:cs typeface="+mn-lt"/>
@@ -4190,7 +4230,7 @@
               <a:t>openSSL</a:t>
             </a:r>
             <a:r>
-              <a:rPr lang="en-US" sz="2200">
+              <a:rPr lang="en-US" sz="2200" dirty="0">
                 <a:latin typeface="Times New Roman"/>
                 <a:ea typeface="+mn-lt"/>
                 <a:cs typeface="+mn-lt"/>
@@ -4198,7 +4238,7 @@
               <a:t> library) and networking (</a:t>
             </a:r>
             <a:r>
-              <a:rPr lang="en-US" sz="2200" err="1">
+              <a:rPr lang="en-US" sz="2200" dirty="0" err="1">
                 <a:latin typeface="Times New Roman"/>
                 <a:ea typeface="+mn-lt"/>
                 <a:cs typeface="+mn-lt"/>
@@ -4206,7 +4246,7 @@
               <a:t>libSSH</a:t>
             </a:r>
             <a:r>
-              <a:rPr lang="en-US" sz="2200">
+              <a:rPr lang="en-US" sz="2200" dirty="0">
                 <a:latin typeface="Times New Roman"/>
                 <a:ea typeface="+mn-lt"/>
                 <a:cs typeface="+mn-lt"/>
@@ -4214,7 +4254,7 @@
               <a:t> and </a:t>
             </a:r>
             <a:r>
-              <a:rPr lang="en-US" sz="2200" err="1">
+              <a:rPr lang="en-US" sz="2200" dirty="0" err="1">
                 <a:latin typeface="Times New Roman"/>
                 <a:ea typeface="+mn-lt"/>
                 <a:cs typeface="+mn-lt"/>
@@ -4222,7 +4262,7 @@
               <a:t>libSSL</a:t>
             </a:r>
             <a:r>
-              <a:rPr lang="en-US" sz="2200">
+              <a:rPr lang="en-US" sz="2200" dirty="0">
                 <a:latin typeface="Times New Roman"/>
                 <a:ea typeface="+mn-lt"/>
                 <a:cs typeface="+mn-lt"/>
@@ -4230,7 +4270,7 @@
               <a:t> libraries).  To communicate with the loader, the SSH protocol was utilized.  We choose SSH for our design because it handled the management of encryption keys reducing our development requirements for a </a:t>
             </a:r>
             <a:r>
-              <a:rPr lang="en-US" sz="2200" err="1">
+              <a:rPr lang="en-US" sz="2200" dirty="0" err="1">
                 <a:latin typeface="Times New Roman"/>
                 <a:ea typeface="+mn-lt"/>
                 <a:cs typeface="+mn-lt"/>
@@ -4238,128 +4278,128 @@
               <a:t>keystore</a:t>
             </a:r>
             <a:r>
-              <a:rPr lang="en-US" sz="2200">
+              <a:rPr lang="en-US" sz="2200" dirty="0">
                 <a:latin typeface="Times New Roman"/>
                 <a:ea typeface="+mn-lt"/>
                 <a:cs typeface="+mn-lt"/>
               </a:rPr>
               <a:t>.</a:t>
             </a:r>
-            <a:endParaRPr lang="en-US"/>
-          </a:p>
-          <a:p>
-            <a:endParaRPr lang="en-US" sz="2200">
+            <a:endParaRPr lang="en-US" dirty="0"/>
+          </a:p>
+          <a:p>
+            <a:endParaRPr lang="en-US" sz="2200" dirty="0">
               <a:latin typeface="Times New Roman"/>
               <a:cs typeface="Calibri" panose="020F0502020204030204"/>
             </a:endParaRPr>
           </a:p>
           <a:p>
             <a:r>
-              <a:rPr lang="en-US" sz="2200">
+              <a:rPr lang="en-US" sz="2200" dirty="0">
                 <a:latin typeface="Times New Roman"/>
                 <a:cs typeface="Times New Roman"/>
               </a:rPr>
               <a:t>Our packer was designed to accept both command line arguments and direct user interface input. The </a:t>
             </a:r>
             <a:r>
-              <a:rPr lang="en-US" sz="2200" err="1">
+              <a:rPr lang="en-US" sz="2200" dirty="0" err="1">
                 <a:latin typeface="Times New Roman"/>
                 <a:cs typeface="Times New Roman"/>
               </a:rPr>
               <a:t>unistd.h</a:t>
             </a:r>
             <a:r>
-              <a:rPr lang="en-US" sz="2200">
+              <a:rPr lang="en-US" sz="2200" dirty="0">
                 <a:latin typeface="Times New Roman"/>
                 <a:cs typeface="Times New Roman"/>
               </a:rPr>
               <a:t> library is used with the </a:t>
             </a:r>
             <a:r>
-              <a:rPr lang="en-US" sz="2200" err="1">
+              <a:rPr lang="en-US" sz="2200" dirty="0" err="1">
                 <a:latin typeface="Times New Roman"/>
                 <a:cs typeface="Times New Roman"/>
               </a:rPr>
               <a:t>getopt</a:t>
             </a:r>
             <a:r>
-              <a:rPr lang="en-US" sz="2200">
+              <a:rPr lang="en-US" sz="2200" dirty="0">
                 <a:latin typeface="Times New Roman"/>
                 <a:cs typeface="Times New Roman"/>
               </a:rPr>
               <a:t>() function to parse through passed arguments and set key options flags in the program. If the program is run with improper arguments or the “-h” flag, the help page will be displayed. Once all command line arguments are properly parsed, the program calls the CLI code which presents the user with an interactive command line interface. </a:t>
             </a:r>
-            <a:endParaRPr lang="en-US"/>
-          </a:p>
-          <a:p>
-            <a:endParaRPr lang="en-US" sz="2200">
+            <a:endParaRPr lang="en-US" dirty="0"/>
+          </a:p>
+          <a:p>
+            <a:endParaRPr lang="en-US" sz="2200" dirty="0">
               <a:latin typeface="Times New Roman"/>
               <a:cs typeface="Times New Roman"/>
             </a:endParaRPr>
           </a:p>
           <a:p>
-            <a:endParaRPr lang="en-US" sz="2200">
+            <a:endParaRPr lang="en-US" sz="2200" dirty="0">
               <a:latin typeface="Times New Roman"/>
               <a:cs typeface="Times New Roman"/>
             </a:endParaRPr>
           </a:p>
           <a:p>
-            <a:endParaRPr lang="en-US" sz="2200">
+            <a:endParaRPr lang="en-US" sz="2200" dirty="0">
               <a:latin typeface="Times New Roman"/>
               <a:cs typeface="Times New Roman"/>
             </a:endParaRPr>
           </a:p>
           <a:p>
-            <a:endParaRPr lang="en-US" sz="2200">
+            <a:endParaRPr lang="en-US" sz="2200" dirty="0">
               <a:latin typeface="Times New Roman"/>
               <a:cs typeface="Times New Roman"/>
             </a:endParaRPr>
           </a:p>
           <a:p>
-            <a:endParaRPr lang="en-US" sz="2200">
+            <a:endParaRPr lang="en-US" sz="2200" dirty="0">
               <a:latin typeface="Times New Roman"/>
               <a:cs typeface="Times New Roman"/>
             </a:endParaRPr>
           </a:p>
           <a:p>
-            <a:endParaRPr lang="en-US" sz="2200">
+            <a:endParaRPr lang="en-US" sz="2200" dirty="0">
               <a:latin typeface="Times New Roman"/>
               <a:cs typeface="Times New Roman"/>
             </a:endParaRPr>
           </a:p>
           <a:p>
-            <a:endParaRPr lang="en-US" sz="2200">
+            <a:endParaRPr lang="en-US" sz="2200" dirty="0">
               <a:latin typeface="Times New Roman"/>
               <a:cs typeface="Times New Roman"/>
             </a:endParaRPr>
           </a:p>
           <a:p>
-            <a:endParaRPr lang="en-US" sz="2200">
+            <a:endParaRPr lang="en-US" sz="2200" dirty="0">
               <a:latin typeface="Times New Roman"/>
               <a:cs typeface="Times New Roman"/>
             </a:endParaRPr>
           </a:p>
           <a:p>
-            <a:endParaRPr lang="en-US" sz="2200">
+            <a:endParaRPr lang="en-US" sz="2200" dirty="0">
               <a:latin typeface="Times New Roman"/>
               <a:cs typeface="Calibri" panose="020F0502020204030204"/>
             </a:endParaRPr>
           </a:p>
           <a:p>
-            <a:endParaRPr lang="en-US" sz="2200">
+            <a:endParaRPr lang="en-US" sz="2200" dirty="0">
               <a:latin typeface="Times New Roman"/>
               <a:cs typeface="Calibri" panose="020F0502020204030204"/>
             </a:endParaRPr>
           </a:p>
           <a:p>
             <a:r>
-              <a:rPr lang="en-US" sz="2200">
+              <a:rPr lang="en-US" sz="2200" dirty="0">
                 <a:latin typeface="Times New Roman"/>
                 <a:cs typeface="Calibri" panose="020F0502020204030204"/>
               </a:rPr>
               <a:t>The loader was also written in C++ so we did not have to duplicate effort (e.g. once compression/encryption was coded, the decompression/decryption could be ported with minor changes).  Also, C++ allowed us to utilize the .NET framework in Windows to interact with the operating system (OS).  It also performed code execution entirely in memory.</a:t>
             </a:r>
-            <a:endParaRPr lang="en-US">
+            <a:endParaRPr lang="en-US" dirty="0">
               <a:cs typeface="Calibri"/>
             </a:endParaRPr>
           </a:p>
@@ -4391,9 +4431,7 @@
             <a:schemeClr val="bg1"/>
           </a:solidFill>
           <a:ln w="127000">
-            <a:solidFill>
-              <a:schemeClr val="tx1"/>
-            </a:solidFill>
+            <a:noFill/>
             <a:miter lim="800000"/>
             <a:headEnd/>
             <a:tailEnd/>
@@ -4449,9 +4487,7 @@
             <a:srgbClr val="1A3668"/>
           </a:solidFill>
           <a:ln w="127000">
-            <a:solidFill>
-              <a:schemeClr val="tx1"/>
-            </a:solidFill>
+            <a:noFill/>
             <a:miter lim="800000"/>
             <a:headEnd/>
             <a:tailEnd/>
@@ -4507,9 +4543,7 @@
             <a:schemeClr val="bg1"/>
           </a:solidFill>
           <a:ln w="127000">
-            <a:solidFill>
-              <a:schemeClr val="tx1"/>
-            </a:solidFill>
+            <a:noFill/>
             <a:miter lim="800000"/>
             <a:headEnd/>
             <a:tailEnd/>
@@ -4907,6 +4941,9 @@
           <a:prstGeom prst="rect">
             <a:avLst/>
           </a:prstGeom>
+          <a:ln>
+            <a:noFill/>
+          </a:ln>
         </p:spPr>
         <p:txBody>
           <a:bodyPr wrap="square" lIns="457200" tIns="457200" rIns="457200" bIns="457200" anchor="t">
@@ -4916,7 +4953,7 @@
           <a:p>
             <a:pPr lvl="0" algn="ctr"/>
             <a:r>
-              <a:rPr lang="en-US" sz="4400" b="1">
+              <a:rPr lang="en-US" sz="4400" b="1" dirty="0">
                 <a:solidFill>
                   <a:srgbClr val="1A3668"/>
                 </a:solidFill>
@@ -4926,7 +4963,7 @@
             </a:r>
           </a:p>
           <a:p>
-            <a:endParaRPr lang="en-US" sz="2200">
+            <a:endParaRPr lang="en-US" sz="2200" dirty="0">
               <a:solidFill>
                 <a:prstClr val="black"/>
               </a:solidFill>
@@ -4936,7 +4973,7 @@
           </a:p>
           <a:p>
             <a:r>
-              <a:rPr lang="en-US" sz="2200">
+              <a:rPr lang="en-US" sz="2200" dirty="0">
                 <a:latin typeface="Times New Roman"/>
                 <a:ea typeface="+mn-lt"/>
                 <a:cs typeface="Times New Roman"/>
@@ -4945,7 +4982,7 @@
             </a:r>
           </a:p>
           <a:p>
-            <a:endParaRPr lang="en-US" sz="2200">
+            <a:endParaRPr lang="en-US" sz="2200" dirty="0">
               <a:latin typeface="Times New Roman"/>
               <a:ea typeface="+mn-lt"/>
               <a:cs typeface="Times New Roman"/>
@@ -4953,54 +4990,54 @@
           </a:p>
           <a:p>
             <a:r>
-              <a:rPr lang="en-US" sz="2200">
+              <a:rPr lang="en-US" sz="2200" dirty="0">
                 <a:latin typeface="Times New Roman"/>
                 <a:ea typeface="+mn-lt"/>
                 <a:cs typeface="Times New Roman"/>
               </a:rPr>
-              <a:t>Packers are generally used to encrypt, compress, and sometimes obfuscates executables/files that are fed to them. Our packer also connects to a loader for remote delivery of these files.</a:t>
-            </a:r>
-            <a:endParaRPr lang="en-US" sz="2200">
+              <a:t>Packers are generally used to encrypt, compress, and sometimes obfuscate executables/files that are fed to them. Our packer also connects to a loader for remote delivery of these files.</a:t>
+            </a:r>
+            <a:endParaRPr lang="en-US" sz="2200" dirty="0">
               <a:ea typeface="+mn-lt"/>
               <a:cs typeface="+mn-lt"/>
             </a:endParaRPr>
           </a:p>
           <a:p>
-            <a:endParaRPr lang="en-US" sz="2200">
+            <a:endParaRPr lang="en-US" sz="2200" dirty="0">
               <a:ea typeface="+mn-lt"/>
               <a:cs typeface="+mn-lt"/>
             </a:endParaRPr>
           </a:p>
           <a:p>
             <a:r>
-              <a:rPr lang="en-US" sz="2200">
+              <a:rPr lang="en-US" sz="2200" dirty="0">
                 <a:latin typeface="Times New Roman"/>
                 <a:ea typeface="+mn-lt"/>
                 <a:cs typeface="Times New Roman"/>
               </a:rPr>
               <a:t>Loaders read program instructions into memory. They are designed to be small and reliable with minimal functionality are often difficult to detect.  </a:t>
             </a:r>
-            <a:endParaRPr lang="en-US" sz="2200">
+            <a:endParaRPr lang="en-US" sz="2200" dirty="0">
               <a:ea typeface="+mn-lt"/>
               <a:cs typeface="+mn-lt"/>
             </a:endParaRPr>
           </a:p>
           <a:p>
-            <a:endParaRPr lang="en-US" sz="2200">
+            <a:endParaRPr lang="en-US" sz="2200" dirty="0">
               <a:ea typeface="+mn-lt"/>
               <a:cs typeface="+mn-lt"/>
             </a:endParaRPr>
           </a:p>
           <a:p>
             <a:r>
-              <a:rPr lang="en-US" sz="2200">
+              <a:rPr lang="en-US" sz="2200" dirty="0">
                 <a:latin typeface="Times New Roman"/>
                 <a:ea typeface="+mn-lt"/>
                 <a:cs typeface="Times New Roman"/>
               </a:rPr>
               <a:t>Our deployment of a loader is as follows:</a:t>
             </a:r>
-            <a:endParaRPr lang="en-US" sz="2200">
+            <a:endParaRPr lang="en-US" sz="2200" dirty="0">
               <a:ea typeface="+mn-lt"/>
               <a:cs typeface="+mn-lt"/>
             </a:endParaRPr>
@@ -5010,14 +5047,14 @@
               <a:buAutoNum type="arabicPeriod"/>
             </a:pPr>
             <a:r>
-              <a:rPr lang="en-US" sz="2200">
+              <a:rPr lang="en-US" sz="2200" dirty="0">
                 <a:latin typeface="Times New Roman"/>
                 <a:ea typeface="+mn-lt"/>
                 <a:cs typeface="Times New Roman"/>
               </a:rPr>
               <a:t>Loader is deployed on a client system</a:t>
             </a:r>
-            <a:endParaRPr lang="en-US" sz="2200">
+            <a:endParaRPr lang="en-US" sz="2200" dirty="0">
               <a:ea typeface="+mn-lt"/>
               <a:cs typeface="+mn-lt"/>
             </a:endParaRPr>
@@ -5027,14 +5064,14 @@
               <a:buAutoNum type="arabicPeriod"/>
             </a:pPr>
             <a:r>
-              <a:rPr lang="en-US" sz="2200">
+              <a:rPr lang="en-US" sz="2200" dirty="0">
                 <a:latin typeface="Times New Roman"/>
                 <a:ea typeface="+mn-lt"/>
                 <a:cs typeface="Times New Roman"/>
               </a:rPr>
               <a:t>Loader connects back to the server (C&amp;C)</a:t>
             </a:r>
-            <a:endParaRPr lang="en-US" sz="2200">
+            <a:endParaRPr lang="en-US" sz="2200" dirty="0">
               <a:ea typeface="+mn-lt"/>
               <a:cs typeface="+mn-lt"/>
             </a:endParaRPr>
@@ -5044,14 +5081,14 @@
               <a:buAutoNum type="arabicPeriod"/>
             </a:pPr>
             <a:r>
-              <a:rPr lang="en-US" sz="2200">
+              <a:rPr lang="en-US" sz="2200" dirty="0">
                 <a:latin typeface="Times New Roman"/>
                 <a:ea typeface="+mn-lt"/>
                 <a:cs typeface="Times New Roman"/>
               </a:rPr>
               <a:t>Loader fetches files/executables from the server</a:t>
             </a:r>
-            <a:endParaRPr lang="en-US" sz="2200">
+            <a:endParaRPr lang="en-US" sz="2200" dirty="0">
               <a:ea typeface="+mn-lt"/>
               <a:cs typeface="+mn-lt"/>
             </a:endParaRPr>
@@ -5061,14 +5098,14 @@
               <a:buAutoNum type="arabicPeriod"/>
             </a:pPr>
             <a:r>
-              <a:rPr lang="en-US" sz="2200">
+              <a:rPr lang="en-US" sz="2200" dirty="0">
                 <a:latin typeface="Times New Roman"/>
                 <a:ea typeface="+mn-lt"/>
                 <a:cs typeface="Times New Roman"/>
               </a:rPr>
               <a:t>Loader, on the client system, executes PE files in memory or saves the files to disk.</a:t>
             </a:r>
-            <a:endParaRPr lang="en-US" sz="2200">
+            <a:endParaRPr lang="en-US" sz="2200" dirty="0">
               <a:ea typeface="+mn-lt"/>
               <a:cs typeface="+mn-lt"/>
             </a:endParaRPr>
@@ -5077,7 +5114,7 @@
             <a:pPr marL="457200" indent="-457200">
               <a:buAutoNum type="arabicPeriod"/>
             </a:pPr>
-            <a:endParaRPr lang="en-US" sz="2200">
+            <a:endParaRPr lang="en-US" sz="2200" dirty="0">
               <a:latin typeface="Times New Roman"/>
               <a:ea typeface="+mn-lt"/>
               <a:cs typeface="Times New Roman"/>
@@ -5087,70 +5124,70 @@
             <a:pPr marL="457200" indent="-457200">
               <a:buAutoNum type="arabicPeriod"/>
             </a:pPr>
-            <a:endParaRPr lang="en-US" sz="2200">
+            <a:endParaRPr lang="en-US" sz="2200" dirty="0">
               <a:latin typeface="Times New Roman"/>
               <a:ea typeface="+mn-lt"/>
               <a:cs typeface="Times New Roman"/>
             </a:endParaRPr>
           </a:p>
           <a:p>
-            <a:endParaRPr lang="en-US" sz="2200">
+            <a:endParaRPr lang="en-US" sz="2200" dirty="0">
               <a:latin typeface="Times New Roman"/>
               <a:ea typeface="+mn-lt"/>
               <a:cs typeface="Times New Roman"/>
             </a:endParaRPr>
           </a:p>
           <a:p>
-            <a:endParaRPr lang="en-US" sz="2200">
+            <a:endParaRPr lang="en-US" sz="2200" dirty="0">
               <a:latin typeface="Calibri" panose="020F0502020204030204"/>
               <a:ea typeface="+mn-lt"/>
               <a:cs typeface="Calibri" panose="020F0502020204030204"/>
             </a:endParaRPr>
           </a:p>
           <a:p>
-            <a:endParaRPr lang="en-US" sz="2200">
+            <a:endParaRPr lang="en-US" sz="2200" dirty="0">
               <a:latin typeface="Times New Roman"/>
               <a:ea typeface="+mn-lt"/>
               <a:cs typeface="Times New Roman"/>
             </a:endParaRPr>
           </a:p>
           <a:p>
-            <a:endParaRPr lang="en-US" sz="2200">
+            <a:endParaRPr lang="en-US" sz="2200" dirty="0">
               <a:latin typeface="Times New Roman"/>
               <a:ea typeface="+mn-lt"/>
               <a:cs typeface="Times New Roman"/>
             </a:endParaRPr>
           </a:p>
           <a:p>
-            <a:endParaRPr lang="en-US" sz="2200">
+            <a:endParaRPr lang="en-US" sz="2200" dirty="0">
               <a:latin typeface="Times New Roman"/>
               <a:ea typeface="+mn-lt"/>
               <a:cs typeface="Times New Roman"/>
             </a:endParaRPr>
           </a:p>
           <a:p>
-            <a:endParaRPr lang="en-US" sz="2200">
+            <a:endParaRPr lang="en-US" sz="2200" dirty="0">
               <a:latin typeface="Times New Roman"/>
               <a:ea typeface="+mn-lt"/>
               <a:cs typeface="Times New Roman"/>
             </a:endParaRPr>
           </a:p>
           <a:p>
-            <a:endParaRPr lang="en-US" sz="2200">
+            <a:endParaRPr lang="en-US" sz="2200" dirty="0">
               <a:latin typeface="Times New Roman"/>
               <a:ea typeface="+mn-lt"/>
               <a:cs typeface="Times New Roman"/>
             </a:endParaRPr>
           </a:p>
           <a:p>
-            <a:endParaRPr lang="en-US" sz="2200">
+            <a:endParaRPr lang="en-US" sz="2200" dirty="0">
               <a:latin typeface="Times New Roman"/>
               <a:ea typeface="+mn-lt"/>
               <a:cs typeface="Times New Roman"/>
             </a:endParaRPr>
           </a:p>
           <a:p>
-            <a:endParaRPr lang="en-US" sz="2200">
+            <a:endParaRPr lang="en-US" sz="2200" dirty="0">
               <a:latin typeface="Times New Roman"/>
               <a:ea typeface="+mn-lt"/>
               <a:cs typeface="Times New Roman"/>
@@ -5158,19 +5195,19 @@
           </a:p>
           <a:p>
             <a:r>
-              <a:rPr lang="en-US" sz="2200">
+              <a:rPr lang="en-US" sz="2200" dirty="0">
                 <a:latin typeface="Times New Roman"/>
                 <a:ea typeface="+mn-lt"/>
                 <a:cs typeface="Times New Roman"/>
               </a:rPr>
               <a:t>This project is useful for discrete delivery and execution of files to remote systems.  </a:t>
             </a:r>
-            <a:endParaRPr lang="en-US">
+            <a:endParaRPr lang="en-US" dirty="0">
               <a:cs typeface="Calibri"/>
             </a:endParaRPr>
           </a:p>
           <a:p>
-            <a:endParaRPr lang="en-US" sz="2200">
+            <a:endParaRPr lang="en-US" sz="2200" dirty="0">
               <a:latin typeface="Times New Roman"/>
               <a:ea typeface="+mn-lt"/>
               <a:cs typeface="Times New Roman"/>
@@ -5178,17 +5215,17 @@
           </a:p>
           <a:p>
             <a:r>
-              <a:rPr lang="en-US" sz="2200">
+              <a:rPr lang="en-US" sz="2200" dirty="0">
                 <a:latin typeface="Times New Roman"/>
                 <a:ea typeface="+mn-lt"/>
                 <a:cs typeface="Times New Roman"/>
               </a:rPr>
-              <a:t>The following requirements were provided by LM:</a:t>
-            </a:r>
-            <a:endParaRPr lang="en-US"/>
-          </a:p>
-          <a:p>
-            <a:endParaRPr lang="en-US" sz="2200">
+              <a:t>LM Requirements:</a:t>
+            </a:r>
+            <a:endParaRPr lang="en-US" dirty="0"/>
+          </a:p>
+          <a:p>
+            <a:endParaRPr lang="en-US" sz="2200" dirty="0">
               <a:latin typeface="Times New Roman"/>
               <a:ea typeface="+mn-lt"/>
               <a:cs typeface="Times New Roman"/>
@@ -5199,7 +5236,7 @@
               <a:buAutoNum type="arabicPeriod"/>
             </a:pPr>
             <a:r>
-              <a:rPr lang="en-US" sz="2200">
+              <a:rPr lang="en-US" sz="2200" dirty="0">
                 <a:latin typeface="Times New Roman"/>
                 <a:ea typeface="+mn-lt"/>
                 <a:cs typeface="Times New Roman"/>
@@ -5212,7 +5249,7 @@
               <a:buAutoNum type="arabicPeriod"/>
             </a:pPr>
             <a:r>
-              <a:rPr lang="en-US" sz="2200">
+              <a:rPr lang="en-US" sz="2200" dirty="0">
                 <a:latin typeface="Times New Roman"/>
                 <a:ea typeface="+mn-lt"/>
                 <a:cs typeface="Times New Roman"/>
@@ -5225,14 +5262,14 @@
               <a:buAutoNum type="arabicPeriod"/>
             </a:pPr>
             <a:r>
-              <a:rPr lang="en-US" sz="2200">
+              <a:rPr lang="en-US" sz="2200" dirty="0">
                 <a:latin typeface="Times New Roman"/>
                 <a:ea typeface="+mn-lt"/>
                 <a:cs typeface="Times New Roman"/>
               </a:rPr>
               <a:t>The “loader” runs on a Windows remote host as a service, receives incoming packed data, decrypts/decompresses, and executes any PE files entirely in RAM (i.e. without touching disk). Other loader operating systems were desired. </a:t>
             </a:r>
-            <a:endParaRPr lang="en-US" sz="2200">
+            <a:endParaRPr lang="en-US" sz="2200" dirty="0">
               <a:latin typeface="Times New Roman" panose="02020603050405020304" pitchFamily="18" charset="0"/>
               <a:ea typeface="+mn-lt"/>
               <a:cs typeface="Times New Roman" panose="02020603050405020304" pitchFamily="18" charset="0"/>
@@ -5260,6 +5297,9 @@
           <a:prstGeom prst="rect">
             <a:avLst/>
           </a:prstGeom>
+          <a:ln>
+            <a:noFill/>
+          </a:ln>
         </p:spPr>
         <p:txBody>
           <a:bodyPr wrap="square" lIns="457200" tIns="457200" rIns="457200" bIns="457200" anchor="t">
@@ -5591,6 +5631,9 @@
           <a:prstGeom prst="rect">
             <a:avLst/>
           </a:prstGeom>
+          <a:ln>
+            <a:noFill/>
+          </a:ln>
         </p:spPr>
         <p:txBody>
           <a:bodyPr wrap="square" lIns="457200" tIns="457200" rIns="457200" bIns="457200" anchor="t">
@@ -5880,7 +5923,7 @@
           <p:spPr>
             <a:xfrm>
               <a:off x="23434162" y="27168547"/>
-              <a:ext cx="2015561" cy="923330"/>
+              <a:ext cx="2015561" cy="1200329"/>
             </a:xfrm>
             <a:prstGeom prst="rect">
               <a:avLst/>
@@ -5897,10 +5940,10 @@
             <a:lstStyle/>
             <a:p>
               <a:r>
-                <a:rPr lang="en-US" i="1">
+                <a:rPr lang="en-US" i="1" dirty="0">
                   <a:cs typeface="Calibri"/>
                 </a:rPr>
-                <a:t>A screenshot of our command line interface in action.</a:t>
+                <a:t>A screenshot of our home page command line interface in action.</a:t>
               </a:r>
             </a:p>
           </p:txBody>

--- a/Assignments/Semester2/E07-Poster.pptx
+++ b/Assignments/Semester2/E07-Poster.pptx
@@ -157,24 +157,6 @@
 
 <file path=ppt/comments/comment1.xml><?xml version="1.0" encoding="utf-8"?>
 <p:cmLst xmlns:a="http://schemas.openxmlformats.org/drawingml/2006/main" xmlns:r="http://schemas.openxmlformats.org/officeDocument/2006/relationships" xmlns:p="http://schemas.openxmlformats.org/presentationml/2006/main">
-  <p:cm authorId="2" dt="2020-04-13T14:39:26.607" idx="1">
-    <p:pos x="8766" y="8213"/>
-    <p:text>Fix diagram to match step above</p:text>
-    <p:extLst>
-      <p:ext uri="{C676402C-5697-4E1C-873F-D02D1690AC5C}">
-        <p15:threadingInfo xmlns:p15="http://schemas.microsoft.com/office/powerpoint/2012/main" timeZoneBias="240"/>
-      </p:ext>
-    </p:extLst>
-  </p:cm>
-  <p:cm authorId="2" dt="2020-04-13T14:42:53.166" idx="2">
-    <p:pos x="8771" y="16686"/>
-    <p:text>Too much white space. Fix Diagram</p:text>
-    <p:extLst>
-      <p:ext uri="{C676402C-5697-4E1C-873F-D02D1690AC5C}">
-        <p15:threadingInfo xmlns:p15="http://schemas.microsoft.com/office/powerpoint/2012/main" timeZoneBias="240"/>
-      </p:ext>
-    </p:extLst>
-  </p:cm>
   <p:cm authorId="2" dt="2020-04-13T14:45:44.840" idx="3">
     <p:pos x="17820" y="11100"/>
     <p:text>Maybe replace with a table of technologies.</p:text>
@@ -3415,8 +3397,10 @@
           <a:solidFill>
             <a:schemeClr val="bg1"/>
           </a:solidFill>
-          <a:ln w="127000">
-            <a:noFill/>
+          <a:ln w="12700">
+            <a:solidFill>
+              <a:schemeClr val="tx1"/>
+            </a:solidFill>
             <a:miter lim="800000"/>
             <a:headEnd/>
             <a:tailEnd/>
@@ -3443,36 +3427,6 @@
           </a:p>
         </p:txBody>
       </p:sp>
-      <p:pic>
-        <p:nvPicPr>
-          <p:cNvPr id="30" name="Picture 5" descr="A close up of a map&#10;&#10;Description generated with very high confidence">
-            <a:extLst>
-              <a:ext uri="{FF2B5EF4-FFF2-40B4-BE49-F238E27FC236}">
-                <a16:creationId xmlns:a16="http://schemas.microsoft.com/office/drawing/2014/main" id="{C2E055B8-7C53-4653-8ADE-40C836806DEC}"/>
-              </a:ext>
-            </a:extLst>
-          </p:cNvPr>
-          <p:cNvPicPr>
-            <a:picLocks noChangeAspect="1"/>
-          </p:cNvPicPr>
-          <p:nvPr/>
-        </p:nvPicPr>
-        <p:blipFill>
-          <a:blip r:embed="rId2"/>
-          <a:stretch>
-            <a:fillRect/>
-          </a:stretch>
-        </p:blipFill>
-        <p:spPr>
-          <a:xfrm>
-            <a:off x="1140770" y="26488305"/>
-            <a:ext cx="12783155" cy="4799655"/>
-          </a:xfrm>
-          <a:prstGeom prst="rect">
-            <a:avLst/>
-          </a:prstGeom>
-        </p:spPr>
-      </p:pic>
       <p:sp>
         <p:nvSpPr>
           <p:cNvPr id="74" name="Rectangle 73">
@@ -3498,8 +3452,10 @@
           <a:solidFill>
             <a:schemeClr val="bg1"/>
           </a:solidFill>
-          <a:ln w="127000">
-            <a:noFill/>
+          <a:ln w="12700">
+            <a:solidFill>
+              <a:schemeClr val="tx1"/>
+            </a:solidFill>
             <a:miter lim="800000"/>
             <a:headEnd/>
             <a:tailEnd/>
@@ -3545,8 +3501,8 @@
         </p:nvSpPr>
         <p:spPr bwMode="auto">
           <a:xfrm>
-            <a:off x="29693220" y="18862538"/>
-            <a:ext cx="13256875" cy="7315200"/>
+            <a:off x="29832540" y="21136037"/>
+            <a:ext cx="13256875" cy="5943600"/>
           </a:xfrm>
           <a:prstGeom prst="rect">
             <a:avLst/>
@@ -3554,8 +3510,10 @@
           <a:solidFill>
             <a:schemeClr val="bg1"/>
           </a:solidFill>
-          <a:ln w="127000">
-            <a:noFill/>
+          <a:ln w="12700">
+            <a:solidFill>
+              <a:schemeClr val="tx1"/>
+            </a:solidFill>
             <a:miter lim="800000"/>
             <a:headEnd/>
             <a:tailEnd/>
@@ -3614,12 +3572,12 @@
           <a:p>
             <a:pPr lvl="0" algn="ctr"/>
             <a:r>
-              <a:rPr lang="en-US" sz="4400" b="1"/>
+              <a:rPr lang="en-US" sz="4400" b="1" dirty="0"/>
               <a:t>Acknowledgements</a:t>
             </a:r>
           </a:p>
           <a:p>
-            <a:endParaRPr lang="en-US" sz="2200">
+            <a:endParaRPr lang="en-US" sz="2200" dirty="0">
               <a:solidFill>
                 <a:prstClr val="black"/>
               </a:solidFill>
@@ -3629,21 +3587,21 @@
           </a:p>
           <a:p>
             <a:r>
-              <a:rPr lang="en-US" sz="2200">
+              <a:rPr lang="en-US" sz="2200" dirty="0">
                 <a:latin typeface="Times New Roman"/>
                 <a:cs typeface="Times New Roman"/>
               </a:rPr>
               <a:t>We would like to thank Professor </a:t>
             </a:r>
             <a:r>
-              <a:rPr lang="en-US" sz="2200" err="1">
+              <a:rPr lang="en-US" sz="2200" dirty="0" err="1">
                 <a:latin typeface="Times New Roman"/>
                 <a:cs typeface="Times New Roman"/>
               </a:rPr>
               <a:t>Sabetto</a:t>
             </a:r>
             <a:r>
-              <a:rPr lang="en-US" sz="2200">
+              <a:rPr lang="en-US" sz="2200" dirty="0">
                 <a:latin typeface="Times New Roman"/>
                 <a:cs typeface="Times New Roman"/>
               </a:rPr>
@@ -3652,21 +3610,21 @@
           </a:p>
           <a:p>
             <a:r>
-              <a:rPr lang="en-US" sz="2200">
+              <a:rPr lang="en-US" sz="2200" dirty="0">
                 <a:latin typeface="Times New Roman"/>
                 <a:cs typeface="Times New Roman"/>
               </a:rPr>
               <a:t>We would like to thank Allision </a:t>
             </a:r>
             <a:r>
-              <a:rPr lang="en-US" sz="2200" err="1">
+              <a:rPr lang="en-US" sz="2200" dirty="0" err="1">
                 <a:latin typeface="Times New Roman"/>
                 <a:cs typeface="Times New Roman"/>
               </a:rPr>
               <a:t>Elfring</a:t>
             </a:r>
             <a:r>
-              <a:rPr lang="en-US" sz="2200">
+              <a:rPr lang="en-US" sz="2200" dirty="0">
                 <a:latin typeface="Times New Roman"/>
                 <a:cs typeface="Times New Roman"/>
               </a:rPr>
@@ -3674,7 +3632,7 @@
             </a:r>
           </a:p>
           <a:p>
-            <a:endParaRPr lang="en-US" sz="2200">
+            <a:endParaRPr lang="en-US" sz="2200" dirty="0">
               <a:latin typeface="Times New Roman"/>
               <a:cs typeface="Times New Roman"/>
             </a:endParaRPr>
@@ -3695,7 +3653,7 @@
         </p:nvSpPr>
         <p:spPr>
           <a:xfrm>
-            <a:off x="29681715" y="18700835"/>
+            <a:off x="29821035" y="20974334"/>
             <a:ext cx="13082429" cy="6001643"/>
           </a:xfrm>
           <a:prstGeom prst="rect">
@@ -3710,14 +3668,14 @@
           <a:p>
             <a:pPr algn="ctr"/>
             <a:r>
-              <a:rPr lang="en-US" sz="4400" b="1">
+              <a:rPr lang="en-US" sz="4400" b="1" dirty="0">
                 <a:solidFill>
                   <a:srgbClr val="1A3668"/>
                 </a:solidFill>
               </a:rPr>
               <a:t>References</a:t>
             </a:r>
-            <a:endParaRPr lang="en-US" sz="2200">
+            <a:endParaRPr lang="en-US" sz="2200" dirty="0">
               <a:solidFill>
                 <a:prstClr val="black"/>
               </a:solidFill>
@@ -3726,14 +3684,14 @@
             </a:endParaRPr>
           </a:p>
           <a:p>
-            <a:endParaRPr lang="en-US" sz="2200">
+            <a:endParaRPr lang="en-US" sz="2200" dirty="0">
               <a:ea typeface="+mn-lt"/>
               <a:cs typeface="+mn-lt"/>
             </a:endParaRPr>
           </a:p>
           <a:p>
             <a:r>
-              <a:rPr lang="en-US" sz="2200">
+              <a:rPr lang="en-US" sz="2200" dirty="0">
                 <a:latin typeface="Times New Roman"/>
                 <a:ea typeface="+mn-lt"/>
                 <a:cs typeface="Times New Roman"/>
@@ -3741,7 +3699,7 @@
               <a:t>[1] “</a:t>
             </a:r>
             <a:r>
-              <a:rPr lang="en-US" sz="2200" err="1">
+              <a:rPr lang="en-US" sz="2200" dirty="0" err="1">
                 <a:latin typeface="Times New Roman"/>
                 <a:ea typeface="+mn-lt"/>
                 <a:cs typeface="Times New Roman"/>
@@ -3749,7 +3707,7 @@
               <a:t>libssh</a:t>
             </a:r>
             <a:r>
-              <a:rPr lang="en-US" sz="2200">
+              <a:rPr lang="en-US" sz="2200" dirty="0">
                 <a:latin typeface="Times New Roman"/>
                 <a:ea typeface="+mn-lt"/>
                 <a:cs typeface="Times New Roman"/>
@@ -3757,7 +3715,7 @@
               <a:t> 0.9.3,” </a:t>
             </a:r>
             <a:r>
-              <a:rPr lang="en-US" sz="2200" err="1">
+              <a:rPr lang="en-US" sz="2200" dirty="0" err="1">
                 <a:latin typeface="Times New Roman"/>
                 <a:ea typeface="+mn-lt"/>
                 <a:cs typeface="Times New Roman"/>
@@ -3765,7 +3723,7 @@
               <a:t>libssh</a:t>
             </a:r>
             <a:r>
-              <a:rPr lang="en-US" sz="2200">
+              <a:rPr lang="en-US" sz="2200" dirty="0">
                 <a:latin typeface="Times New Roman"/>
                 <a:ea typeface="+mn-lt"/>
                 <a:cs typeface="Times New Roman"/>
@@ -3773,14 +3731,14 @@
               <a:t>. [Online]. Available: http://api.libssh.org/stable/. [Accessed: 16-Mar-2020]. </a:t>
             </a:r>
             <a:br>
-              <a:rPr lang="en-US" sz="2200">
+              <a:rPr lang="en-US" sz="2200" dirty="0">
                 <a:latin typeface="Times New Roman" panose="02020603050405020304" pitchFamily="18" charset="0"/>
                 <a:ea typeface="+mn-lt"/>
                 <a:cs typeface="Times New Roman" panose="02020603050405020304" pitchFamily="18" charset="0"/>
               </a:rPr>
             </a:br>
             <a:r>
-              <a:rPr lang="en-US" sz="2200">
+              <a:rPr lang="en-US" sz="2200" dirty="0">
                 <a:latin typeface="Times New Roman"/>
                 <a:ea typeface="+mn-lt"/>
                 <a:cs typeface="Times New Roman"/>
@@ -3788,7 +3746,7 @@
               <a:t>[2] R. </a:t>
             </a:r>
             <a:r>
-              <a:rPr lang="en-US" sz="2200" err="1">
+              <a:rPr lang="en-US" sz="2200" dirty="0" err="1">
                 <a:latin typeface="Times New Roman"/>
                 <a:ea typeface="+mn-lt"/>
                 <a:cs typeface="Times New Roman"/>
@@ -3796,7 +3754,7 @@
               <a:t>Geldreich</a:t>
             </a:r>
             <a:r>
-              <a:rPr lang="en-US" sz="2200">
+              <a:rPr lang="en-US" sz="2200" dirty="0">
                 <a:latin typeface="Times New Roman"/>
                 <a:ea typeface="+mn-lt"/>
                 <a:cs typeface="Times New Roman"/>
@@ -3804,7 +3762,7 @@
               <a:t>, “richgel999/</a:t>
             </a:r>
             <a:r>
-              <a:rPr lang="en-US" sz="2200" err="1">
+              <a:rPr lang="en-US" sz="2200" dirty="0" err="1">
                 <a:latin typeface="Times New Roman"/>
                 <a:ea typeface="+mn-lt"/>
                 <a:cs typeface="Times New Roman"/>
@@ -3812,7 +3770,7 @@
               <a:t>miniz</a:t>
             </a:r>
             <a:r>
-              <a:rPr lang="en-US" sz="2200">
+              <a:rPr lang="en-US" sz="2200" dirty="0">
                 <a:latin typeface="Times New Roman"/>
                 <a:ea typeface="+mn-lt"/>
                 <a:cs typeface="Times New Roman"/>
@@ -3820,7 +3778,7 @@
               <a:t>,” </a:t>
             </a:r>
             <a:r>
-              <a:rPr lang="en-US" sz="2200" i="1" err="1">
+              <a:rPr lang="en-US" sz="2200" i="1" dirty="0" err="1">
                 <a:latin typeface="Times New Roman"/>
                 <a:ea typeface="+mn-lt"/>
                 <a:cs typeface="Times New Roman"/>
@@ -3828,7 +3786,7 @@
               <a:t>Github</a:t>
             </a:r>
             <a:r>
-              <a:rPr lang="en-US" sz="2200">
+              <a:rPr lang="en-US" sz="2200" dirty="0">
                 <a:latin typeface="Times New Roman"/>
                 <a:ea typeface="+mn-lt"/>
                 <a:cs typeface="Times New Roman"/>
@@ -3836,14 +3794,14 @@
               <a:t>, 09-Mar-2020. [Online]. Available: https://github.com/richgel999/miniz. [Accessed: 16-Mar-2020].</a:t>
             </a:r>
             <a:br>
-              <a:rPr lang="en-US" sz="2200">
+              <a:rPr lang="en-US" sz="2200" dirty="0">
                 <a:latin typeface="Times New Roman" panose="02020603050405020304" pitchFamily="18" charset="0"/>
                 <a:ea typeface="+mn-lt"/>
                 <a:cs typeface="Times New Roman" panose="02020603050405020304" pitchFamily="18" charset="0"/>
               </a:rPr>
             </a:br>
             <a:r>
-              <a:rPr lang="en-US" sz="2200">
+              <a:rPr lang="en-US" sz="2200" dirty="0">
                 <a:latin typeface="Times New Roman"/>
                 <a:ea typeface="+mn-lt"/>
                 <a:cs typeface="Times New Roman"/>
@@ -3851,7 +3809,7 @@
               <a:t>[3] “Filesystem library,” </a:t>
             </a:r>
             <a:r>
-              <a:rPr lang="en-US" sz="2200" i="1">
+              <a:rPr lang="en-US" sz="2200" i="1" dirty="0">
                 <a:latin typeface="Times New Roman"/>
                 <a:ea typeface="+mn-lt"/>
                 <a:cs typeface="Times New Roman"/>
@@ -3859,7 +3817,7 @@
               <a:t>cppreference.com</a:t>
             </a:r>
             <a:r>
-              <a:rPr lang="en-US" sz="2200">
+              <a:rPr lang="en-US" sz="2200" dirty="0">
                 <a:latin typeface="Times New Roman"/>
                 <a:ea typeface="+mn-lt"/>
                 <a:cs typeface="Times New Roman"/>
@@ -3867,14 +3825,14 @@
               <a:t>, 15-Jun-2018. [Online]. Available: https://en.cppreference.com/w/cpp/experimental/fs. [Accessed: 16-Mar-2020].</a:t>
             </a:r>
             <a:br>
-              <a:rPr lang="en-US" sz="2200">
+              <a:rPr lang="en-US" sz="2200" dirty="0">
                 <a:latin typeface="Times New Roman" panose="02020603050405020304" pitchFamily="18" charset="0"/>
                 <a:ea typeface="+mn-lt"/>
                 <a:cs typeface="Times New Roman" panose="02020603050405020304" pitchFamily="18" charset="0"/>
               </a:rPr>
             </a:br>
             <a:r>
-              <a:rPr lang="en-US" sz="2200">
+              <a:rPr lang="en-US" sz="2200" dirty="0">
                 <a:latin typeface="Times New Roman"/>
                 <a:ea typeface="+mn-lt"/>
                 <a:cs typeface="Times New Roman"/>
@@ -3884,7 +3842,7 @@
           </a:p>
           <a:p>
             <a:r>
-              <a:rPr lang="en-US" sz="2200">
+              <a:rPr lang="en-US" sz="2200" dirty="0">
                 <a:latin typeface="Times New Roman"/>
                 <a:ea typeface="+mn-lt"/>
                 <a:cs typeface="Times New Roman"/>
@@ -3892,7 +3850,7 @@
               <a:t>[5] arno0x0x, “Windows </a:t>
             </a:r>
             <a:r>
-              <a:rPr lang="en-US" sz="2200" err="1">
+              <a:rPr lang="en-US" sz="2200" dirty="0" err="1">
                 <a:latin typeface="Times New Roman"/>
                 <a:ea typeface="+mn-lt"/>
                 <a:cs typeface="Times New Roman"/>
@@ -3900,7 +3858,7 @@
               <a:t>oneliners</a:t>
             </a:r>
             <a:r>
-              <a:rPr lang="en-US" sz="2200">
+              <a:rPr lang="en-US" sz="2200" dirty="0">
                 <a:latin typeface="Times New Roman"/>
                 <a:ea typeface="+mn-lt"/>
                 <a:cs typeface="Times New Roman"/>
@@ -3908,7 +3866,7 @@
               <a:t> to download remote payload and execute arbitrary code,” Windows </a:t>
             </a:r>
             <a:r>
-              <a:rPr lang="en-US" sz="2200" err="1">
+              <a:rPr lang="en-US" sz="2200" dirty="0" err="1">
                 <a:latin typeface="Times New Roman"/>
                 <a:ea typeface="+mn-lt"/>
                 <a:cs typeface="Times New Roman"/>
@@ -3916,14 +3874,14 @@
               <a:t>oneliners</a:t>
             </a:r>
             <a:r>
-              <a:rPr lang="en-US" sz="2200">
+              <a:rPr lang="en-US" sz="2200" dirty="0">
                 <a:latin typeface="Times New Roman"/>
                 <a:ea typeface="+mn-lt"/>
                 <a:cs typeface="Times New Roman"/>
               </a:rPr>
               <a:t> to download remote payload and execute arbitrary code, 18-Apr-2018. [Online]. Available: https://arno0x0x.wordpress.com/2017/11/20/windows-oneliners-to-download-remote-payload-and-execute-arbitrary-code/. [Accessed: 16-Mar-2020]. </a:t>
             </a:r>
-            <a:endParaRPr lang="en-US" sz="2200">
+            <a:endParaRPr lang="en-US" sz="2200" dirty="0">
               <a:latin typeface="Times New Roman"/>
               <a:cs typeface="Times New Roman"/>
             </a:endParaRPr>
@@ -3955,8 +3913,10 @@
           <a:solidFill>
             <a:schemeClr val="bg1"/>
           </a:solidFill>
-          <a:ln w="127000">
-            <a:noFill/>
+          <a:ln w="12700">
+            <a:solidFill>
+              <a:schemeClr val="tx1"/>
+            </a:solidFill>
             <a:miter lim="800000"/>
             <a:headEnd/>
             <a:tailEnd/>
@@ -4422,7 +4382,7 @@
         <p:spPr bwMode="auto">
           <a:xfrm>
             <a:off x="29816450" y="6436953"/>
-            <a:ext cx="13025869" cy="9890145"/>
+            <a:ext cx="13025869" cy="13372741"/>
           </a:xfrm>
           <a:prstGeom prst="rect">
             <a:avLst/>
@@ -4430,8 +4390,10 @@
           <a:solidFill>
             <a:schemeClr val="bg1"/>
           </a:solidFill>
-          <a:ln w="127000">
-            <a:noFill/>
+          <a:ln w="12700">
+            <a:solidFill>
+              <a:schemeClr val="tx1"/>
+            </a:solidFill>
             <a:miter lim="800000"/>
             <a:headEnd/>
             <a:tailEnd/>
@@ -4486,8 +4448,10 @@
           <a:solidFill>
             <a:srgbClr val="1A3668"/>
           </a:solidFill>
-          <a:ln w="127000">
-            <a:noFill/>
+          <a:ln w="12700">
+            <a:solidFill>
+              <a:schemeClr val="tx1"/>
+            </a:solidFill>
             <a:miter lim="800000"/>
             <a:headEnd/>
             <a:tailEnd/>
@@ -4542,8 +4506,10 @@
           <a:solidFill>
             <a:schemeClr val="bg1"/>
           </a:solidFill>
-          <a:ln w="127000">
-            <a:noFill/>
+          <a:ln w="12700">
+            <a:solidFill>
+              <a:schemeClr val="tx1"/>
+            </a:solidFill>
             <a:miter lim="800000"/>
             <a:headEnd/>
             <a:tailEnd/>
@@ -4588,13 +4554,13 @@
           <p:nvPr/>
         </p:nvPicPr>
         <p:blipFill>
-          <a:blip r:embed="rId3">
+          <a:blip r:embed="rId2">
             <a:extLst>
               <a:ext uri="{28A0092B-C50C-407E-A947-70E740481C1C}">
                 <a14:useLocalDpi xmlns:a14="http://schemas.microsoft.com/office/drawing/2010/main" val="0"/>
               </a:ext>
               <a:ext uri="{96DAC541-7B7A-43D3-8B79-37D633B846F1}">
-                <asvg:svgBlip xmlns:asvg="http://schemas.microsoft.com/office/drawing/2016/SVG/main" r:embed="rId4"/>
+                <asvg:svgBlip xmlns:asvg="http://schemas.microsoft.com/office/drawing/2016/SVG/main" r:embed="rId3"/>
               </a:ext>
             </a:extLst>
           </a:blip>
@@ -4667,7 +4633,7 @@
           <p:nvPr/>
         </p:nvPicPr>
         <p:blipFill>
-          <a:blip r:embed="rId5">
+          <a:blip r:embed="rId4">
             <a:extLst>
               <a:ext uri="{28A0092B-C50C-407E-A947-70E740481C1C}">
                 <a14:useLocalDpi xmlns:a14="http://schemas.microsoft.com/office/drawing/2010/main" val="0"/>
@@ -5052,7 +5018,7 @@
                 <a:ea typeface="+mn-lt"/>
                 <a:cs typeface="Times New Roman"/>
               </a:rPr>
-              <a:t>Loader is deployed on a client system</a:t>
+              <a:t>Loader is deployed on a client system and connects back to server (C&amp;C)</a:t>
             </a:r>
             <a:endParaRPr lang="en-US" sz="2200" dirty="0">
               <a:ea typeface="+mn-lt"/>
@@ -5069,7 +5035,7 @@
                 <a:ea typeface="+mn-lt"/>
                 <a:cs typeface="Times New Roman"/>
               </a:rPr>
-              <a:t>Loader connects back to the server (C&amp;C)</a:t>
+              <a:t>Packer compress and encrypts files to be sent to Loader</a:t>
             </a:r>
             <a:endParaRPr lang="en-US" sz="2200" dirty="0">
               <a:ea typeface="+mn-lt"/>
@@ -5086,7 +5052,7 @@
                 <a:ea typeface="+mn-lt"/>
                 <a:cs typeface="Times New Roman"/>
               </a:rPr>
-              <a:t>Loader fetches files/executables from the server</a:t>
+              <a:t>Packer send files to Loader</a:t>
             </a:r>
             <a:endParaRPr lang="en-US" sz="2200" dirty="0">
               <a:ea typeface="+mn-lt"/>
@@ -5309,7 +5275,7 @@
           <a:p>
             <a:pPr algn="ctr"/>
             <a:r>
-              <a:rPr lang="en-US" sz="4400" b="1">
+              <a:rPr lang="en-US" sz="4400" b="1" dirty="0">
                 <a:solidFill>
                   <a:srgbClr val="1A3668"/>
                 </a:solidFill>
@@ -5319,20 +5285,20 @@
             </a:r>
           </a:p>
           <a:p>
-            <a:endParaRPr lang="en-US" sz="2200">
+            <a:endParaRPr lang="en-US" sz="2200" dirty="0">
               <a:latin typeface="Times New Roman"/>
               <a:cs typeface="Times New Roman"/>
             </a:endParaRPr>
           </a:p>
           <a:p>
             <a:r>
-              <a:rPr lang="en-US" sz="2200">
+              <a:rPr lang="en-US" sz="2200" dirty="0">
                 <a:latin typeface="Times New Roman"/>
                 <a:cs typeface="Times New Roman"/>
               </a:rPr>
               <a:t>A delivered product!  Our packer and loader tool combo was delivered to our stakeholder.  Our product helped enable their mission and objectives.  We also provided the research we conducted along with the product.  As our assignment was both to conduct the research into the technology and develop the product, both we equally valuable.  We found that R&amp;D of such a product is quite difficult, especially in the area of executing code completely in memory.  We researched products that delivered similar solutions to ours.  From what we found, most only delivered a portion of our entire system.  E.g. one product advertises receiving data from remote systems and another specializes in code execution in memory.  Our product contained a lot of subsystems.  By researching the best methods specialized programs succeeded in building these subsystems, we were able to aggregate a successful full product.</a:t>
             </a:r>
-            <a:endParaRPr lang="en-US" sz="2200">
+            <a:endParaRPr lang="en-US" sz="2200" dirty="0">
               <a:solidFill>
                 <a:prstClr val="black"/>
               </a:solidFill>
@@ -5341,14 +5307,14 @@
             </a:endParaRPr>
           </a:p>
           <a:p>
-            <a:endParaRPr lang="en-US" sz="2200">
+            <a:endParaRPr lang="en-US" sz="2200" dirty="0">
               <a:latin typeface="Times New Roman"/>
               <a:cs typeface="Times New Roman"/>
             </a:endParaRPr>
           </a:p>
           <a:p>
             <a:r>
-              <a:rPr lang="en-US" sz="2200">
+              <a:rPr lang="en-US" sz="2200" dirty="0">
                 <a:latin typeface="Times New Roman"/>
                 <a:cs typeface="Times New Roman"/>
               </a:rPr>
@@ -5356,27 +5322,27 @@
             </a:r>
           </a:p>
           <a:p>
-            <a:endParaRPr lang="en-US" sz="2200">
+            <a:endParaRPr lang="en-US" sz="2200" dirty="0">
               <a:latin typeface="Times New Roman"/>
               <a:cs typeface="Times New Roman"/>
             </a:endParaRPr>
           </a:p>
           <a:p>
             <a:r>
-              <a:rPr lang="en-US" sz="2200" u="sng">
+              <a:rPr lang="en-US" sz="2200" u="sng" dirty="0">
                 <a:latin typeface="Times New Roman"/>
                 <a:cs typeface="Times New Roman"/>
               </a:rPr>
               <a:t>Lessons Learned</a:t>
             </a:r>
-            <a:endParaRPr lang="en-US" sz="2200">
+            <a:endParaRPr lang="en-US" sz="2200" dirty="0">
               <a:latin typeface="Times New Roman"/>
               <a:cs typeface="Times New Roman"/>
             </a:endParaRPr>
           </a:p>
           <a:p>
             <a:r>
-              <a:rPr lang="en-US" sz="2200">
+              <a:rPr lang="en-US" sz="2200" dirty="0">
                 <a:latin typeface="Times New Roman"/>
                 <a:cs typeface="Times New Roman"/>
               </a:rPr>
@@ -5385,7 +5351,7 @@
           </a:p>
           <a:p>
             <a:r>
-              <a:rPr lang="en-US" sz="2200">
+              <a:rPr lang="en-US" sz="2200" dirty="0">
                 <a:latin typeface="Times New Roman"/>
                 <a:cs typeface="Times New Roman"/>
               </a:rPr>
@@ -5394,7 +5360,7 @@
           </a:p>
           <a:p>
             <a:r>
-              <a:rPr lang="en-US" sz="2200">
+              <a:rPr lang="en-US" sz="2200" dirty="0">
                 <a:latin typeface="Times New Roman"/>
                 <a:cs typeface="Times New Roman"/>
               </a:rPr>
@@ -5402,62 +5368,62 @@
             </a:r>
           </a:p>
           <a:p>
-            <a:endParaRPr lang="en-US" sz="2200">
+            <a:endParaRPr lang="en-US" sz="2200" dirty="0">
               <a:latin typeface="Times New Roman"/>
               <a:cs typeface="Times New Roman"/>
             </a:endParaRPr>
           </a:p>
           <a:p>
-            <a:endParaRPr lang="en-US" sz="2200">
+            <a:endParaRPr lang="en-US" sz="2200" dirty="0">
               <a:latin typeface="Times New Roman"/>
               <a:cs typeface="Times New Roman"/>
             </a:endParaRPr>
           </a:p>
           <a:p>
             <a:r>
-              <a:rPr lang="en-US" sz="2200">
+              <a:rPr lang="en-US" sz="2200" dirty="0">
                 <a:latin typeface="Times New Roman"/>
                 <a:cs typeface="Times New Roman"/>
               </a:rPr>
               <a:t>-Large scale software development is hard</a:t>
             </a:r>
-            <a:endParaRPr lang="en-US" sz="2200">
+            <a:endParaRPr lang="en-US" sz="2200" dirty="0">
               <a:latin typeface="Times New Roman" panose="02020603050405020304" pitchFamily="18" charset="0"/>
               <a:cs typeface="Times New Roman" panose="02020603050405020304" pitchFamily="18" charset="0"/>
             </a:endParaRPr>
           </a:p>
           <a:p>
             <a:r>
-              <a:rPr lang="en-US" sz="2200">
+              <a:rPr lang="en-US" sz="2200" dirty="0">
                 <a:latin typeface="Times New Roman"/>
                 <a:cs typeface="Times New Roman"/>
               </a:rPr>
               <a:t>-Time Management is essential</a:t>
             </a:r>
-            <a:endParaRPr lang="en-US"/>
-          </a:p>
-          <a:p>
-            <a:r>
-              <a:rPr lang="en-US" sz="2200">
+            <a:endParaRPr lang="en-US" dirty="0"/>
+          </a:p>
+          <a:p>
+            <a:r>
+              <a:rPr lang="en-US" sz="2200" dirty="0">
                 <a:latin typeface="Times New Roman"/>
                 <a:cs typeface="Times New Roman"/>
               </a:rPr>
               <a:t>-Met spec/didn't </a:t>
             </a:r>
-            <a:endParaRPr lang="en-US"/>
-          </a:p>
-          <a:p>
-            <a:r>
-              <a:rPr lang="en-US" sz="2200">
+            <a:endParaRPr lang="en-US" dirty="0"/>
+          </a:p>
+          <a:p>
+            <a:r>
+              <a:rPr lang="en-US" sz="2200" dirty="0">
                 <a:latin typeface="Times New Roman"/>
                 <a:cs typeface="Times New Roman"/>
               </a:rPr>
               <a:t>-TBD</a:t>
             </a:r>
-            <a:endParaRPr lang="en-US"/>
-          </a:p>
-          <a:p>
-            <a:endParaRPr lang="en-US"/>
+            <a:endParaRPr lang="en-US" dirty="0"/>
+          </a:p>
+          <a:p>
+            <a:endParaRPr lang="en-US" dirty="0"/>
           </a:p>
         </p:txBody>
       </p:sp>
@@ -5476,7 +5442,7 @@
           <p:nvPr/>
         </p:nvPicPr>
         <p:blipFill>
-          <a:blip r:embed="rId6"/>
+          <a:blip r:embed="rId5"/>
           <a:stretch>
             <a:fillRect/>
           </a:stretch>
@@ -5526,7 +5492,7 @@
             <p:nvPr/>
           </p:nvPicPr>
           <p:blipFill>
-            <a:blip r:embed="rId7">
+            <a:blip r:embed="rId6">
               <a:extLst>
                 <a:ext uri="{28A0092B-C50C-407E-A947-70E740481C1C}">
                   <a14:useLocalDpi xmlns:a14="http://schemas.microsoft.com/office/drawing/2010/main" val="0"/>
@@ -5643,7 +5609,7 @@
           <a:p>
             <a:pPr algn="ctr"/>
             <a:r>
-              <a:rPr lang="en-US" sz="4400" b="1">
+              <a:rPr lang="en-US" sz="4400" b="1" dirty="0">
                 <a:solidFill>
                   <a:srgbClr val="1A3668"/>
                 </a:solidFill>
@@ -5653,7 +5619,7 @@
           </a:p>
           <a:p>
             <a:pPr lvl="0"/>
-            <a:endParaRPr lang="en-US" sz="2200">
+            <a:endParaRPr lang="en-US" sz="2200" dirty="0">
               <a:solidFill>
                 <a:prstClr val="black"/>
               </a:solidFill>
@@ -5664,7 +5630,7 @@
           <a:p>
             <a:pPr lvl="0"/>
             <a:r>
-              <a:rPr lang="en-US" sz="2200">
+              <a:rPr lang="en-US" sz="2200" dirty="0">
                 <a:latin typeface="Times New Roman"/>
                 <a:cs typeface="Calibri"/>
               </a:rPr>
@@ -5708,7 +5674,7 @@
             <p:nvPr/>
           </p:nvPicPr>
           <p:blipFill rotWithShape="1">
-            <a:blip r:embed="rId8">
+            <a:blip r:embed="rId7">
               <a:extLst>
                 <a:ext uri="{28A0092B-C50C-407E-A947-70E740481C1C}">
                   <a14:useLocalDpi xmlns:a14="http://schemas.microsoft.com/office/drawing/2010/main" val="0"/>
@@ -5779,86 +5745,6 @@
           </p:txBody>
         </p:sp>
       </p:grpSp>
-      <p:sp>
-        <p:nvSpPr>
-          <p:cNvPr id="43" name="TextBox 42">
-            <a:extLst>
-              <a:ext uri="{FF2B5EF4-FFF2-40B4-BE49-F238E27FC236}">
-                <a16:creationId xmlns:a16="http://schemas.microsoft.com/office/drawing/2014/main" id="{6F4AF7C4-DED8-4E64-85E7-6525D5C3BB5C}"/>
-              </a:ext>
-            </a:extLst>
-          </p:cNvPr>
-          <p:cNvSpPr txBox="1"/>
-          <p:nvPr/>
-        </p:nvSpPr>
-        <p:spPr>
-          <a:xfrm>
-            <a:off x="5352401" y="15742658"/>
-            <a:ext cx="3098281" cy="369332"/>
-          </a:xfrm>
-          <a:prstGeom prst="rect">
-            <a:avLst/>
-          </a:prstGeom>
-          <a:noFill/>
-        </p:spPr>
-        <p:txBody>
-          <a:bodyPr rot="0" spcFirstLastPara="0" vertOverflow="overflow" horzOverflow="overflow" vert="horz" wrap="square" lIns="91440" tIns="45720" rIns="91440" bIns="45720" numCol="1" spcCol="0" rtlCol="0" fromWordArt="0" anchor="t" anchorCtr="0" forceAA="0" compatLnSpc="1">
-            <a:prstTxWarp prst="textNoShape">
-              <a:avLst/>
-            </a:prstTxWarp>
-            <a:spAutoFit/>
-          </a:bodyPr>
-          <a:lstStyle/>
-          <a:p>
-            <a:r>
-              <a:rPr lang="en-US" i="1">
-                <a:cs typeface="Calibri"/>
-              </a:rPr>
-              <a:t>A screenshot of our help page.</a:t>
-            </a:r>
-          </a:p>
-        </p:txBody>
-      </p:sp>
-      <p:sp>
-        <p:nvSpPr>
-          <p:cNvPr id="44" name="TextBox 43">
-            <a:extLst>
-              <a:ext uri="{FF2B5EF4-FFF2-40B4-BE49-F238E27FC236}">
-                <a16:creationId xmlns:a16="http://schemas.microsoft.com/office/drawing/2014/main" id="{BBD0504E-BA7C-41F7-A18D-26C4B0506E72}"/>
-              </a:ext>
-            </a:extLst>
-          </p:cNvPr>
-          <p:cNvSpPr txBox="1"/>
-          <p:nvPr/>
-        </p:nvSpPr>
-        <p:spPr>
-          <a:xfrm>
-            <a:off x="6021804" y="30677675"/>
-            <a:ext cx="3098281" cy="369332"/>
-          </a:xfrm>
-          <a:prstGeom prst="rect">
-            <a:avLst/>
-          </a:prstGeom>
-          <a:noFill/>
-        </p:spPr>
-        <p:txBody>
-          <a:bodyPr rot="0" spcFirstLastPara="0" vertOverflow="overflow" horzOverflow="overflow" vert="horz" wrap="square" lIns="91440" tIns="45720" rIns="91440" bIns="45720" numCol="1" spcCol="0" rtlCol="0" fromWordArt="0" anchor="t" anchorCtr="0" forceAA="0" compatLnSpc="1">
-            <a:prstTxWarp prst="textNoShape">
-              <a:avLst/>
-            </a:prstTxWarp>
-            <a:spAutoFit/>
-          </a:bodyPr>
-          <a:lstStyle/>
-          <a:p>
-            <a:r>
-              <a:rPr lang="en-US" i="1">
-                <a:cs typeface="Calibri"/>
-              </a:rPr>
-              <a:t>A screenshot of our help page.</a:t>
-            </a:r>
-          </a:p>
-        </p:txBody>
-      </p:sp>
       <p:grpSp>
         <p:nvGrpSpPr>
           <p:cNvPr id="45" name="Group 44">
@@ -5894,7 +5780,7 @@
             <p:nvPr/>
           </p:nvPicPr>
           <p:blipFill rotWithShape="1">
-            <a:blip r:embed="rId9"/>
+            <a:blip r:embed="rId8"/>
             <a:srcRect b="21968"/>
             <a:stretch/>
           </p:blipFill>
@@ -5949,6 +5835,36 @@
           </p:txBody>
         </p:sp>
       </p:grpSp>
+      <p:pic>
+        <p:nvPicPr>
+          <p:cNvPr id="4" name="Picture 3">
+            <a:extLst>
+              <a:ext uri="{FF2B5EF4-FFF2-40B4-BE49-F238E27FC236}">
+                <a16:creationId xmlns:a16="http://schemas.microsoft.com/office/drawing/2014/main" id="{47B3B3A8-FD07-4AD5-83C5-40AC59D24165}"/>
+              </a:ext>
+            </a:extLst>
+          </p:cNvPr>
+          <p:cNvPicPr>
+            <a:picLocks noChangeAspect="1"/>
+          </p:cNvPicPr>
+          <p:nvPr/>
+        </p:nvPicPr>
+        <p:blipFill>
+          <a:blip r:embed="rId9"/>
+          <a:stretch>
+            <a:fillRect/>
+          </a:stretch>
+        </p:blipFill>
+        <p:spPr>
+          <a:xfrm>
+            <a:off x="3125863" y="25828166"/>
+            <a:ext cx="8972550" cy="6000750"/>
+          </a:xfrm>
+          <a:prstGeom prst="rect">
+            <a:avLst/>
+          </a:prstGeom>
+        </p:spPr>
+      </p:pic>
     </p:spTree>
     <p:extLst>
       <p:ext uri="{BB962C8B-B14F-4D97-AF65-F5344CB8AC3E}">

--- a/Assignments/Semester2/E07-Poster.pptx
+++ b/Assignments/Semester2/E07-Poster.pptx
@@ -139,43 +139,57 @@
 </p:cmAuthorLst>
 </file>
 
-<file path=ppt/revisionInfo.xml><?xml version="1.0" encoding="utf-8"?>
-<p1510:revInfo xmlns:a="http://schemas.openxmlformats.org/drawingml/2006/main" xmlns:r="http://schemas.openxmlformats.org/officeDocument/2006/relationships" xmlns:p1510="http://schemas.microsoft.com/office/powerpoint/2015/10/main">
-  <p1510:revLst>
-    <p1510:client id="{04A41E93-E554-4C5C-B92F-B521D633CD96}" v="41" dt="2020-04-07T02:06:47.460"/>
-    <p1510:client id="{460E2C40-6F49-4107-A863-A60E53D3EDD2}" v="3522" dt="2020-04-07T01:56:52.810"/>
-    <p1510:client id="{BB05B624-8BCF-4C60-9791-E27905FC9B84}" v="1" dt="2020-04-07T02:19:53.587"/>
-    <p1510:client id="{BB970E3D-36AF-4547-ABC2-F031FC86AC3C}" v="6141" dt="2020-04-07T02:09:33.543"/>
-    <p1510:client id="{C35D5C69-ACF0-418F-B484-71FE8FA815C9}" v="94" dt="2020-04-07T02:25:43.890"/>
-    <p1510:client id="{C5DBA4FA-F3FE-45F1-B8C7-D1C5DD3C8908}" v="1324" dt="2020-04-07T01:48:11.290"/>
-    <p1510:client id="{D3C7BFFD-A3D1-4105-9130-938B05B48424}" v="99" dt="2020-04-07T02:33:38.431"/>
-    <p1510:client id="{E9016106-8CB9-4F60-AB84-63E3DD6D3472}" v="2615" dt="2020-04-07T02:34:17.817"/>
-    <p1510:client id="{F5E02977-F406-4F9D-9AD7-E84003300E3E}" v="44" dt="2020-04-06T22:30:10.152"/>
-  </p1510:revLst>
-</p1510:revInfo>
-</file>
-
-<file path=ppt/comments/comment1.xml><?xml version="1.0" encoding="utf-8"?>
-<p:cmLst xmlns:a="http://schemas.openxmlformats.org/drawingml/2006/main" xmlns:r="http://schemas.openxmlformats.org/officeDocument/2006/relationships" xmlns:p="http://schemas.openxmlformats.org/presentationml/2006/main">
-  <p:cm authorId="2" dt="2020-04-13T14:45:44.840" idx="3">
-    <p:pos x="17820" y="11100"/>
-    <p:text>Maybe replace with a table of technologies.</p:text>
-    <p:extLst>
-      <p:ext uri="{C676402C-5697-4E1C-873F-D02D1690AC5C}">
-        <p15:threadingInfo xmlns:p15="http://schemas.microsoft.com/office/powerpoint/2012/main" timeZoneBias="240"/>
-      </p:ext>
-    </p:extLst>
-  </p:cm>
-  <p:cm authorId="2" dt="2020-04-13T14:47:29.398" idx="4">
-    <p:pos x="27055" y="11882"/>
-    <p:text>Maybe fix spacing on this side.</p:text>
-    <p:extLst>
-      <p:ext uri="{C676402C-5697-4E1C-873F-D02D1690AC5C}">
-        <p15:threadingInfo xmlns:p15="http://schemas.microsoft.com/office/powerpoint/2012/main" timeZoneBias="240"/>
-      </p:ext>
-    </p:extLst>
-  </p:cm>
-</p:cmLst>
+<file path=ppt/changesInfos/changesInfo1.xml><?xml version="1.0" encoding="utf-8"?>
+<pc:chgInfo xmlns:a="http://schemas.openxmlformats.org/drawingml/2006/main" xmlns:r="http://schemas.openxmlformats.org/officeDocument/2006/relationships" xmlns:ac="http://schemas.microsoft.com/office/drawing/2013/main/command" xmlns:pc="http://schemas.microsoft.com/office/powerpoint/2013/main/command">
+  <pc:docChgLst>
+    <pc:chgData name="Andre Herrera" userId="8bb6a1e7bcbf12ca" providerId="LiveId" clId="{EEE18DA3-A41E-44E9-BC95-B0C07523C857}"/>
+    <pc:docChg chg="undo custSel modSld">
+      <pc:chgData name="Andre Herrera" userId="8bb6a1e7bcbf12ca" providerId="LiveId" clId="{EEE18DA3-A41E-44E9-BC95-B0C07523C857}" dt="2020-04-14T00:40:44.049" v="319" actId="20577"/>
+      <pc:docMkLst>
+        <pc:docMk/>
+      </pc:docMkLst>
+      <pc:sldChg chg="addSp modSp">
+        <pc:chgData name="Andre Herrera" userId="8bb6a1e7bcbf12ca" providerId="LiveId" clId="{EEE18DA3-A41E-44E9-BC95-B0C07523C857}" dt="2020-04-14T00:40:44.049" v="319" actId="20577"/>
+        <pc:sldMkLst>
+          <pc:docMk/>
+          <pc:sldMk cId="425932221" sldId="256"/>
+        </pc:sldMkLst>
+        <pc:spChg chg="mod">
+          <ac:chgData name="Andre Herrera" userId="8bb6a1e7bcbf12ca" providerId="LiveId" clId="{EEE18DA3-A41E-44E9-BC95-B0C07523C857}" dt="2020-04-14T00:25:53.277" v="0" actId="20577"/>
+          <ac:spMkLst>
+            <pc:docMk/>
+            <pc:sldMk cId="425932221" sldId="256"/>
+            <ac:spMk id="40" creationId="{BA0440E6-0147-47C6-89F5-8F871C526D4A}"/>
+          </ac:spMkLst>
+        </pc:spChg>
+        <pc:spChg chg="mod">
+          <ac:chgData name="Andre Herrera" userId="8bb6a1e7bcbf12ca" providerId="LiveId" clId="{EEE18DA3-A41E-44E9-BC95-B0C07523C857}" dt="2020-04-14T00:40:44.049" v="319" actId="20577"/>
+          <ac:spMkLst>
+            <pc:docMk/>
+            <pc:sldMk cId="425932221" sldId="256"/>
+            <ac:spMk id="47" creationId="{295F36F3-F7DD-4A25-B6AF-6ACA70F56070}"/>
+          </ac:spMkLst>
+        </pc:spChg>
+        <pc:spChg chg="mod">
+          <ac:chgData name="Andre Herrera" userId="8bb6a1e7bcbf12ca" providerId="LiveId" clId="{EEE18DA3-A41E-44E9-BC95-B0C07523C857}" dt="2020-04-14T00:37:45.365" v="181" actId="1036"/>
+          <ac:spMkLst>
+            <pc:docMk/>
+            <pc:sldMk cId="425932221" sldId="256"/>
+            <ac:spMk id="71" creationId="{87ECF1D2-CE36-479B-A84F-B090D1AFFEE9}"/>
+          </ac:spMkLst>
+        </pc:spChg>
+        <pc:graphicFrameChg chg="add mod modGraphic">
+          <ac:chgData name="Andre Herrera" userId="8bb6a1e7bcbf12ca" providerId="LiveId" clId="{EEE18DA3-A41E-44E9-BC95-B0C07523C857}" dt="2020-04-14T00:36:22.428" v="171" actId="20577"/>
+          <ac:graphicFrameMkLst>
+            <pc:docMk/>
+            <pc:sldMk cId="425932221" sldId="256"/>
+            <ac:graphicFrameMk id="2" creationId="{1B39ED3C-8B43-4EEB-B9D0-806EEDD363EB}"/>
+          </ac:graphicFrameMkLst>
+        </pc:graphicFrameChg>
+      </pc:sldChg>
+    </pc:docChg>
+  </pc:docChgLst>
+</pc:chgInfo>
 </file>
 
 <file path=ppt/notesMasters/notesMaster1.xml><?xml version="1.0" encoding="utf-8"?>
@@ -525,6 +539,90 @@
     </a:lvl9pPr>
   </p:notesStyle>
 </p:notesMaster>
+</file>
+
+<file path=ppt/notesSlides/notesSlide1.xml><?xml version="1.0" encoding="utf-8"?>
+<p:notes xmlns:a="http://schemas.openxmlformats.org/drawingml/2006/main" xmlns:r="http://schemas.openxmlformats.org/officeDocument/2006/relationships" xmlns:p="http://schemas.openxmlformats.org/presentationml/2006/main">
+  <p:cSld>
+    <p:spTree>
+      <p:nvGrpSpPr>
+        <p:cNvPr id="1" name=""/>
+        <p:cNvGrpSpPr/>
+        <p:nvPr/>
+      </p:nvGrpSpPr>
+      <p:grpSpPr>
+        <a:xfrm>
+          <a:off x="0" y="0"/>
+          <a:ext cx="0" cy="0"/>
+          <a:chOff x="0" y="0"/>
+          <a:chExt cx="0" cy="0"/>
+        </a:xfrm>
+      </p:grpSpPr>
+      <p:sp>
+        <p:nvSpPr>
+          <p:cNvPr id="2" name="Slide Image Placeholder 1"/>
+          <p:cNvSpPr>
+            <a:spLocks noGrp="1" noRot="1" noChangeAspect="1"/>
+          </p:cNvSpPr>
+          <p:nvPr>
+            <p:ph type="sldImg"/>
+          </p:nvPr>
+        </p:nvSpPr>
+        <p:spPr/>
+      </p:sp>
+      <p:sp>
+        <p:nvSpPr>
+          <p:cNvPr id="3" name="Notes Placeholder 2"/>
+          <p:cNvSpPr>
+            <a:spLocks noGrp="1"/>
+          </p:cNvSpPr>
+          <p:nvPr>
+            <p:ph type="body" idx="1"/>
+          </p:nvPr>
+        </p:nvSpPr>
+        <p:spPr/>
+        <p:txBody>
+          <a:bodyPr/>
+          <a:lstStyle/>
+          <a:p>
+            <a:endParaRPr lang="en-US" dirty="0"/>
+          </a:p>
+        </p:txBody>
+      </p:sp>
+      <p:sp>
+        <p:nvSpPr>
+          <p:cNvPr id="4" name="Slide Number Placeholder 3"/>
+          <p:cNvSpPr>
+            <a:spLocks noGrp="1"/>
+          </p:cNvSpPr>
+          <p:nvPr>
+            <p:ph type="sldNum" sz="quarter" idx="5"/>
+          </p:nvPr>
+        </p:nvSpPr>
+        <p:spPr/>
+        <p:txBody>
+          <a:bodyPr/>
+          <a:lstStyle/>
+          <a:p>
+            <a:fld id="{5514374C-6F80-44B7-A170-A8EACA496881}" type="slidenum">
+              <a:rPr lang="en-US" smtClean="0"/>
+              <a:t>1</a:t>
+            </a:fld>
+            <a:endParaRPr lang="en-US"/>
+          </a:p>
+        </p:txBody>
+      </p:sp>
+    </p:spTree>
+    <p:extLst>
+      <p:ext uri="{BB962C8B-B14F-4D97-AF65-F5344CB8AC3E}">
+        <p14:creationId xmlns:p14="http://schemas.microsoft.com/office/powerpoint/2010/main" val="4004109731"/>
+      </p:ext>
+    </p:extLst>
+  </p:cSld>
+  <p:clrMapOvr>
+    <a:masterClrMapping/>
+  </p:clrMapOvr>
+</p:notes>
 </file>
 
 <file path=ppt/slideLayouts/slideLayout1.xml><?xml version="1.0" encoding="utf-8"?>
@@ -3558,7 +3656,7 @@
         <p:spPr>
           <a:xfrm>
             <a:off x="29812328" y="28244277"/>
-            <a:ext cx="13164473" cy="2954655"/>
+            <a:ext cx="13164473" cy="3970318"/>
           </a:xfrm>
           <a:prstGeom prst="rect">
             <a:avLst/>
@@ -3605,8 +3703,14 @@
                 <a:latin typeface="Times New Roman"/>
                 <a:cs typeface="Times New Roman"/>
               </a:rPr>
-              <a:t> for believing in us when we didn’t believe in ourselves.</a:t>
-            </a:r>
+              <a:t> for his constant words of support and encouragement, believing in us when we didn’t believe in ourselves.</a:t>
+            </a:r>
+          </a:p>
+          <a:p>
+            <a:endParaRPr lang="en-US" sz="2200" dirty="0">
+              <a:latin typeface="Times New Roman"/>
+              <a:cs typeface="Times New Roman"/>
+            </a:endParaRPr>
           </a:p>
           <a:p>
             <a:r>
@@ -3614,7 +3718,7 @@
                 <a:latin typeface="Times New Roman"/>
                 <a:cs typeface="Times New Roman"/>
               </a:rPr>
-              <a:t>We would like to thank Allision </a:t>
+              <a:t>We would also like to thank Allision </a:t>
             </a:r>
             <a:r>
               <a:rPr lang="en-US" sz="2200" dirty="0" err="1">
@@ -3628,7 +3732,7 @@
                 <a:latin typeface="Times New Roman"/>
                 <a:cs typeface="Times New Roman"/>
               </a:rPr>
-              <a:t> for her consistent advice</a:t>
+              <a:t> for her consistent advice and her invaluable comments which helped us to constantly improve our project.</a:t>
             </a:r>
           </a:p>
           <a:p>
@@ -4381,7 +4485,7 @@
         </p:nvSpPr>
         <p:spPr bwMode="auto">
           <a:xfrm>
-            <a:off x="29816450" y="6436953"/>
+            <a:off x="29846603" y="6477572"/>
             <a:ext cx="13025869" cy="13372741"/>
           </a:xfrm>
           <a:prstGeom prst="rect">
@@ -4554,13 +4658,13 @@
           <p:nvPr/>
         </p:nvPicPr>
         <p:blipFill>
-          <a:blip r:embed="rId2">
+          <a:blip r:embed="rId3">
             <a:extLst>
               <a:ext uri="{28A0092B-C50C-407E-A947-70E740481C1C}">
                 <a14:useLocalDpi xmlns:a14="http://schemas.microsoft.com/office/drawing/2010/main" val="0"/>
               </a:ext>
               <a:ext uri="{96DAC541-7B7A-43D3-8B79-37D633B846F1}">
-                <asvg:svgBlip xmlns:asvg="http://schemas.microsoft.com/office/drawing/2016/SVG/main" r:embed="rId3"/>
+                <asvg:svgBlip xmlns:asvg="http://schemas.microsoft.com/office/drawing/2016/SVG/main" r:embed="rId4"/>
               </a:ext>
             </a:extLst>
           </a:blip>
@@ -4633,7 +4737,7 @@
           <p:nvPr/>
         </p:nvPicPr>
         <p:blipFill>
-          <a:blip r:embed="rId4">
+          <a:blip r:embed="rId5">
             <a:extLst>
               <a:ext uri="{28A0092B-C50C-407E-A947-70E740481C1C}">
                 <a14:useLocalDpi xmlns:a14="http://schemas.microsoft.com/office/drawing/2010/main" val="0"/>
@@ -5258,7 +5362,7 @@
         <p:spPr>
           <a:xfrm>
             <a:off x="29879765" y="6430022"/>
-            <a:ext cx="13025869" cy="10002738"/>
+            <a:ext cx="13025869" cy="8309967"/>
           </a:xfrm>
           <a:prstGeom prst="rect">
             <a:avLst/>
@@ -5372,55 +5476,6 @@
               <a:latin typeface="Times New Roman"/>
               <a:cs typeface="Times New Roman"/>
             </a:endParaRPr>
-          </a:p>
-          <a:p>
-            <a:endParaRPr lang="en-US" sz="2200" dirty="0">
-              <a:latin typeface="Times New Roman"/>
-              <a:cs typeface="Times New Roman"/>
-            </a:endParaRPr>
-          </a:p>
-          <a:p>
-            <a:r>
-              <a:rPr lang="en-US" sz="2200" dirty="0">
-                <a:latin typeface="Times New Roman"/>
-                <a:cs typeface="Times New Roman"/>
-              </a:rPr>
-              <a:t>-Large scale software development is hard</a:t>
-            </a:r>
-            <a:endParaRPr lang="en-US" sz="2200" dirty="0">
-              <a:latin typeface="Times New Roman" panose="02020603050405020304" pitchFamily="18" charset="0"/>
-              <a:cs typeface="Times New Roman" panose="02020603050405020304" pitchFamily="18" charset="0"/>
-            </a:endParaRPr>
-          </a:p>
-          <a:p>
-            <a:r>
-              <a:rPr lang="en-US" sz="2200" dirty="0">
-                <a:latin typeface="Times New Roman"/>
-                <a:cs typeface="Times New Roman"/>
-              </a:rPr>
-              <a:t>-Time Management is essential</a:t>
-            </a:r>
-            <a:endParaRPr lang="en-US" dirty="0"/>
-          </a:p>
-          <a:p>
-            <a:r>
-              <a:rPr lang="en-US" sz="2200" dirty="0">
-                <a:latin typeface="Times New Roman"/>
-                <a:cs typeface="Times New Roman"/>
-              </a:rPr>
-              <a:t>-Met spec/didn't </a:t>
-            </a:r>
-            <a:endParaRPr lang="en-US" dirty="0"/>
-          </a:p>
-          <a:p>
-            <a:r>
-              <a:rPr lang="en-US" sz="2200" dirty="0">
-                <a:latin typeface="Times New Roman"/>
-                <a:cs typeface="Times New Roman"/>
-              </a:rPr>
-              <a:t>-TBD</a:t>
-            </a:r>
-            <a:endParaRPr lang="en-US" dirty="0"/>
           </a:p>
           <a:p>
             <a:endParaRPr lang="en-US" dirty="0"/>
@@ -5442,7 +5497,7 @@
           <p:nvPr/>
         </p:nvPicPr>
         <p:blipFill>
-          <a:blip r:embed="rId5"/>
+          <a:blip r:embed="rId6"/>
           <a:stretch>
             <a:fillRect/>
           </a:stretch>
@@ -5492,7 +5547,7 @@
             <p:nvPr/>
           </p:nvPicPr>
           <p:blipFill>
-            <a:blip r:embed="rId6">
+            <a:blip r:embed="rId7">
               <a:extLst>
                 <a:ext uri="{28A0092B-C50C-407E-A947-70E740481C1C}">
                   <a14:useLocalDpi xmlns:a14="http://schemas.microsoft.com/office/drawing/2010/main" val="0"/>
@@ -5674,7 +5729,7 @@
             <p:nvPr/>
           </p:nvPicPr>
           <p:blipFill rotWithShape="1">
-            <a:blip r:embed="rId7">
+            <a:blip r:embed="rId8">
               <a:extLst>
                 <a:ext uri="{28A0092B-C50C-407E-A947-70E740481C1C}">
                   <a14:useLocalDpi xmlns:a14="http://schemas.microsoft.com/office/drawing/2010/main" val="0"/>
@@ -5780,7 +5835,7 @@
             <p:nvPr/>
           </p:nvPicPr>
           <p:blipFill rotWithShape="1">
-            <a:blip r:embed="rId8"/>
+            <a:blip r:embed="rId9"/>
             <a:srcRect b="21968"/>
             <a:stretch/>
           </p:blipFill>
@@ -5850,7 +5905,7 @@
           <p:nvPr/>
         </p:nvPicPr>
         <p:blipFill>
-          <a:blip r:embed="rId9"/>
+          <a:blip r:embed="rId10"/>
           <a:stretch>
             <a:fillRect/>
           </a:stretch>
@@ -5865,6 +5920,480 @@
           </a:prstGeom>
         </p:spPr>
       </p:pic>
+      <p:graphicFrame>
+        <p:nvGraphicFramePr>
+          <p:cNvPr id="2" name="Table 2">
+            <a:extLst>
+              <a:ext uri="{FF2B5EF4-FFF2-40B4-BE49-F238E27FC236}">
+                <a16:creationId xmlns:a16="http://schemas.microsoft.com/office/drawing/2014/main" id="{1B39ED3C-8B43-4EEB-B9D0-806EEDD363EB}"/>
+              </a:ext>
+            </a:extLst>
+          </p:cNvPr>
+          <p:cNvGraphicFramePr>
+            <a:graphicFrameLocks noGrp="1"/>
+          </p:cNvGraphicFramePr>
+          <p:nvPr>
+            <p:extLst>
+              <p:ext uri="{D42A27DB-BD31-4B8C-83A1-F6EECF244321}">
+                <p14:modId xmlns:p14="http://schemas.microsoft.com/office/powerpoint/2010/main" val="2630177291"/>
+              </p:ext>
+            </p:extLst>
+          </p:nvPr>
+        </p:nvGraphicFramePr>
+        <p:xfrm>
+          <a:off x="30278051" y="14580938"/>
+          <a:ext cx="12162971" cy="4149616"/>
+        </p:xfrm>
+        <a:graphic>
+          <a:graphicData uri="http://schemas.openxmlformats.org/drawingml/2006/table">
+            <a:tbl>
+              <a:tblPr firstRow="1" bandRow="1">
+                <a:tableStyleId>{5C22544A-7EE6-4342-B048-85BDC9FD1C3A}</a:tableStyleId>
+              </a:tblPr>
+              <a:tblGrid>
+                <a:gridCol w="2772229">
+                  <a:extLst>
+                    <a:ext uri="{9D8B030D-6E8A-4147-A177-3AD203B41FA5}">
+                      <a16:colId xmlns:a16="http://schemas.microsoft.com/office/drawing/2014/main" val="3146349124"/>
+                    </a:ext>
+                  </a:extLst>
+                </a:gridCol>
+                <a:gridCol w="1857828">
+                  <a:extLst>
+                    <a:ext uri="{9D8B030D-6E8A-4147-A177-3AD203B41FA5}">
+                      <a16:colId xmlns:a16="http://schemas.microsoft.com/office/drawing/2014/main" val="200323278"/>
+                    </a:ext>
+                  </a:extLst>
+                </a:gridCol>
+                <a:gridCol w="7532914">
+                  <a:extLst>
+                    <a:ext uri="{9D8B030D-6E8A-4147-A177-3AD203B41FA5}">
+                      <a16:colId xmlns:a16="http://schemas.microsoft.com/office/drawing/2014/main" val="4085840056"/>
+                    </a:ext>
+                  </a:extLst>
+                </a:gridCol>
+              </a:tblGrid>
+              <a:tr h="527488">
+                <a:tc>
+                  <a:txBody>
+                    <a:bodyPr/>
+                    <a:lstStyle/>
+                    <a:p>
+                      <a:pPr algn="ctr"/>
+                      <a:r>
+                        <a:rPr lang="en-US" sz="2400" dirty="0"/>
+                        <a:t>Function </a:t>
+                      </a:r>
+                    </a:p>
+                  </a:txBody>
+                  <a:tcPr/>
+                </a:tc>
+                <a:tc>
+                  <a:txBody>
+                    <a:bodyPr/>
+                    <a:lstStyle/>
+                    <a:p>
+                      <a:pPr algn="ctr"/>
+                      <a:r>
+                        <a:rPr lang="en-US" sz="2400" dirty="0"/>
+                        <a:t>Technology</a:t>
+                      </a:r>
+                    </a:p>
+                  </a:txBody>
+                  <a:tcPr/>
+                </a:tc>
+                <a:tc>
+                  <a:txBody>
+                    <a:bodyPr/>
+                    <a:lstStyle/>
+                    <a:p>
+                      <a:pPr algn="ctr"/>
+                      <a:r>
+                        <a:rPr lang="en-US" sz="2400" dirty="0"/>
+                        <a:t>Description</a:t>
+                      </a:r>
+                    </a:p>
+                  </a:txBody>
+                  <a:tcPr/>
+                </a:tc>
+                <a:extLst>
+                  <a:ext uri="{0D108BD9-81ED-4DB2-BD59-A6C34878D82A}">
+                    <a16:rowId xmlns:a16="http://schemas.microsoft.com/office/drawing/2014/main" val="3225021341"/>
+                  </a:ext>
+                </a:extLst>
+              </a:tr>
+              <a:tr h="527488">
+                <a:tc>
+                  <a:txBody>
+                    <a:bodyPr/>
+                    <a:lstStyle/>
+                    <a:p>
+                      <a:pPr algn="ctr"/>
+                      <a:r>
+                        <a:rPr lang="en-US" sz="2400" dirty="0"/>
+                        <a:t>Code Base</a:t>
+                      </a:r>
+                    </a:p>
+                  </a:txBody>
+                  <a:tcPr/>
+                </a:tc>
+                <a:tc>
+                  <a:txBody>
+                    <a:bodyPr/>
+                    <a:lstStyle/>
+                    <a:p>
+                      <a:pPr algn="ctr"/>
+                      <a:r>
+                        <a:rPr lang="en-US" sz="2400" dirty="0"/>
+                        <a:t>C++</a:t>
+                      </a:r>
+                    </a:p>
+                  </a:txBody>
+                  <a:tcPr/>
+                </a:tc>
+                <a:tc>
+                  <a:txBody>
+                    <a:bodyPr/>
+                    <a:lstStyle/>
+                    <a:p>
+                      <a:pPr algn="ctr"/>
+                      <a:r>
+                        <a:rPr lang="en-US" sz="2400" dirty="0"/>
+                        <a:t>Fast, lightweight, &amp; cross-platform compatible.</a:t>
+                      </a:r>
+                    </a:p>
+                  </a:txBody>
+                  <a:tcPr/>
+                </a:tc>
+                <a:extLst>
+                  <a:ext uri="{0D108BD9-81ED-4DB2-BD59-A6C34878D82A}">
+                    <a16:rowId xmlns:a16="http://schemas.microsoft.com/office/drawing/2014/main" val="3008324957"/>
+                  </a:ext>
+                </a:extLst>
+              </a:tr>
+              <a:tr h="527488">
+                <a:tc>
+                  <a:txBody>
+                    <a:bodyPr/>
+                    <a:lstStyle/>
+                    <a:p>
+                      <a:pPr algn="ctr"/>
+                      <a:r>
+                        <a:rPr lang="en-US" sz="2400" dirty="0"/>
+                        <a:t>Compression </a:t>
+                      </a:r>
+                    </a:p>
+                  </a:txBody>
+                  <a:tcPr/>
+                </a:tc>
+                <a:tc>
+                  <a:txBody>
+                    <a:bodyPr/>
+                    <a:lstStyle/>
+                    <a:p>
+                      <a:pPr algn="ctr"/>
+                      <a:r>
+                        <a:rPr lang="en-US" sz="2400" dirty="0" err="1"/>
+                        <a:t>miniz</a:t>
+                      </a:r>
+                      <a:endParaRPr lang="en-US" sz="2400" dirty="0"/>
+                    </a:p>
+                  </a:txBody>
+                  <a:tcPr/>
+                </a:tc>
+                <a:tc>
+                  <a:txBody>
+                    <a:bodyPr/>
+                    <a:lstStyle/>
+                    <a:p>
+                      <a:pPr algn="ctr"/>
+                      <a:r>
+                        <a:rPr lang="en-US" sz="2400" dirty="0"/>
+                        <a:t>Single C source file </a:t>
+                      </a:r>
+                      <a:r>
+                        <a:rPr lang="en-US" sz="2400" dirty="0" err="1"/>
+                        <a:t>zlib</a:t>
+                      </a:r>
+                      <a:r>
+                        <a:rPr lang="en-US" sz="2400" dirty="0"/>
+                        <a:t>-replacement library.</a:t>
+                      </a:r>
+                    </a:p>
+                  </a:txBody>
+                  <a:tcPr/>
+                </a:tc>
+                <a:extLst>
+                  <a:ext uri="{0D108BD9-81ED-4DB2-BD59-A6C34878D82A}">
+                    <a16:rowId xmlns:a16="http://schemas.microsoft.com/office/drawing/2014/main" val="1853692236"/>
+                  </a:ext>
+                </a:extLst>
+              </a:tr>
+              <a:tr h="446713">
+                <a:tc>
+                  <a:txBody>
+                    <a:bodyPr/>
+                    <a:lstStyle/>
+                    <a:p>
+                      <a:pPr algn="ctr"/>
+                      <a:r>
+                        <a:rPr lang="en-US" sz="2400" dirty="0"/>
+                        <a:t>Encryption</a:t>
+                      </a:r>
+                    </a:p>
+                  </a:txBody>
+                  <a:tcPr/>
+                </a:tc>
+                <a:tc>
+                  <a:txBody>
+                    <a:bodyPr/>
+                    <a:lstStyle/>
+                    <a:p>
+                      <a:pPr algn="ctr"/>
+                      <a:r>
+                        <a:rPr lang="en-US" sz="2400" dirty="0" err="1"/>
+                        <a:t>openssl</a:t>
+                      </a:r>
+                      <a:endParaRPr lang="en-US" sz="2400" dirty="0"/>
+                    </a:p>
+                  </a:txBody>
+                  <a:tcPr/>
+                </a:tc>
+                <a:tc>
+                  <a:txBody>
+                    <a:bodyPr/>
+                    <a:lstStyle/>
+                    <a:p>
+                      <a:pPr algn="ctr"/>
+                      <a:r>
+                        <a:rPr lang="en-US" sz="2400" dirty="0"/>
+                        <a:t>General-purpose cryptography library.</a:t>
+                      </a:r>
+                    </a:p>
+                  </a:txBody>
+                  <a:tcPr/>
+                </a:tc>
+                <a:extLst>
+                  <a:ext uri="{0D108BD9-81ED-4DB2-BD59-A6C34878D82A}">
+                    <a16:rowId xmlns:a16="http://schemas.microsoft.com/office/drawing/2014/main" val="1570986491"/>
+                  </a:ext>
+                </a:extLst>
+              </a:tr>
+              <a:tr h="527488">
+                <a:tc>
+                  <a:txBody>
+                    <a:bodyPr/>
+                    <a:lstStyle/>
+                    <a:p>
+                      <a:pPr algn="ctr"/>
+                      <a:r>
+                        <a:rPr lang="en-US" sz="2400" dirty="0"/>
+                        <a:t>File Transfer</a:t>
+                      </a:r>
+                    </a:p>
+                  </a:txBody>
+                  <a:tcPr/>
+                </a:tc>
+                <a:tc>
+                  <a:txBody>
+                    <a:bodyPr/>
+                    <a:lstStyle/>
+                    <a:p>
+                      <a:pPr algn="ctr"/>
+                      <a:r>
+                        <a:rPr lang="en-US" sz="2400" dirty="0" err="1"/>
+                        <a:t>libssh</a:t>
+                      </a:r>
+                      <a:endParaRPr lang="en-US" sz="2400" dirty="0"/>
+                    </a:p>
+                  </a:txBody>
+                  <a:tcPr/>
+                </a:tc>
+                <a:tc>
+                  <a:txBody>
+                    <a:bodyPr/>
+                    <a:lstStyle/>
+                    <a:p>
+                      <a:pPr algn="ctr"/>
+                      <a:r>
+                        <a:rPr lang="en-US" sz="2400" dirty="0"/>
+                        <a:t>Multiplatform C library implementing the SSHv2 protocol.</a:t>
+                      </a:r>
+                    </a:p>
+                  </a:txBody>
+                  <a:tcPr/>
+                </a:tc>
+                <a:extLst>
+                  <a:ext uri="{0D108BD9-81ED-4DB2-BD59-A6C34878D82A}">
+                    <a16:rowId xmlns:a16="http://schemas.microsoft.com/office/drawing/2014/main" val="39547831"/>
+                  </a:ext>
+                </a:extLst>
+              </a:tr>
+              <a:tr h="527488">
+                <a:tc>
+                  <a:txBody>
+                    <a:bodyPr/>
+                    <a:lstStyle/>
+                    <a:p>
+                      <a:pPr algn="ctr"/>
+                      <a:r>
+                        <a:rPr lang="en-US" sz="2400" dirty="0"/>
+                        <a:t>File Handling</a:t>
+                      </a:r>
+                    </a:p>
+                  </a:txBody>
+                  <a:tcPr/>
+                </a:tc>
+                <a:tc>
+                  <a:txBody>
+                    <a:bodyPr/>
+                    <a:lstStyle/>
+                    <a:p>
+                      <a:pPr algn="ctr"/>
+                      <a:r>
+                        <a:rPr lang="en-US" sz="2400" dirty="0"/>
+                        <a:t>FS Library</a:t>
+                      </a:r>
+                    </a:p>
+                  </a:txBody>
+                  <a:tcPr/>
+                </a:tc>
+                <a:tc>
+                  <a:txBody>
+                    <a:bodyPr/>
+                    <a:lstStyle/>
+                    <a:p>
+                      <a:pPr algn="ctr"/>
+                      <a:r>
+                        <a:rPr lang="en-US" sz="2400" dirty="0"/>
+                        <a:t>As of C++17 filesystem library.</a:t>
+                      </a:r>
+                    </a:p>
+                  </a:txBody>
+                  <a:tcPr/>
+                </a:tc>
+                <a:extLst>
+                  <a:ext uri="{0D108BD9-81ED-4DB2-BD59-A6C34878D82A}">
+                    <a16:rowId xmlns:a16="http://schemas.microsoft.com/office/drawing/2014/main" val="3754847181"/>
+                  </a:ext>
+                </a:extLst>
+              </a:tr>
+              <a:tr h="527488">
+                <a:tc>
+                  <a:txBody>
+                    <a:bodyPr/>
+                    <a:lstStyle/>
+                    <a:p>
+                      <a:pPr algn="ctr"/>
+                      <a:r>
+                        <a:rPr lang="en-US" sz="2400" dirty="0"/>
+                        <a:t>Argument Handling</a:t>
+                      </a:r>
+                    </a:p>
+                  </a:txBody>
+                  <a:tcPr/>
+                </a:tc>
+                <a:tc>
+                  <a:txBody>
+                    <a:bodyPr/>
+                    <a:lstStyle/>
+                    <a:p>
+                      <a:pPr algn="ctr"/>
+                      <a:r>
+                        <a:rPr lang="en-US" sz="2400" dirty="0" err="1"/>
+                        <a:t>getopts</a:t>
+                      </a:r>
+                      <a:endParaRPr lang="en-US" sz="2400" dirty="0"/>
+                    </a:p>
+                  </a:txBody>
+                  <a:tcPr/>
+                </a:tc>
+                <a:tc>
+                  <a:txBody>
+                    <a:bodyPr/>
+                    <a:lstStyle/>
+                    <a:p>
+                      <a:pPr algn="ctr"/>
+                      <a:r>
+                        <a:rPr lang="en-US" sz="2400" dirty="0"/>
+                        <a:t>Parses the command-line arguments from </a:t>
+                      </a:r>
+                      <a:r>
+                        <a:rPr lang="en-US" sz="2400" i="1" dirty="0" err="1"/>
+                        <a:t>argc</a:t>
+                      </a:r>
+                      <a:r>
+                        <a:rPr lang="en-US" sz="2400" dirty="0"/>
+                        <a:t> and </a:t>
+                      </a:r>
+                      <a:r>
+                        <a:rPr lang="en-US" sz="2400" i="1" dirty="0" err="1"/>
+                        <a:t>argv</a:t>
+                      </a:r>
+                      <a:endParaRPr lang="en-US" sz="2400" dirty="0"/>
+                    </a:p>
+                  </a:txBody>
+                  <a:tcPr/>
+                </a:tc>
+                <a:extLst>
+                  <a:ext uri="{0D108BD9-81ED-4DB2-BD59-A6C34878D82A}">
+                    <a16:rowId xmlns:a16="http://schemas.microsoft.com/office/drawing/2014/main" val="758914597"/>
+                  </a:ext>
+                </a:extLst>
+              </a:tr>
+              <a:tr h="527488">
+                <a:tc>
+                  <a:txBody>
+                    <a:bodyPr/>
+                    <a:lstStyle/>
+                    <a:p>
+                      <a:pPr algn="ctr"/>
+                      <a:r>
+                        <a:rPr lang="en-US" sz="2400" dirty="0"/>
+                        <a:t>Process Handling</a:t>
+                      </a:r>
+                    </a:p>
+                  </a:txBody>
+                  <a:tcPr/>
+                </a:tc>
+                <a:tc>
+                  <a:txBody>
+                    <a:bodyPr/>
+                    <a:lstStyle/>
+                    <a:p>
+                      <a:pPr algn="ctr"/>
+                      <a:r>
+                        <a:rPr lang="en-US" sz="2400" dirty="0"/>
+                        <a:t>Fork</a:t>
+                      </a:r>
+                    </a:p>
+                  </a:txBody>
+                  <a:tcPr/>
+                </a:tc>
+                <a:tc>
+                  <a:txBody>
+                    <a:bodyPr/>
+                    <a:lstStyle/>
+                    <a:p>
+                      <a:pPr algn="ctr"/>
+                      <a:r>
+                        <a:rPr lang="en-US" sz="2400" dirty="0"/>
+                        <a:t>Creates a new process by duplicating the calling process.</a:t>
+                      </a:r>
+                    </a:p>
+                  </a:txBody>
+                  <a:tcPr/>
+                </a:tc>
+                <a:extLst>
+                  <a:ext uri="{0D108BD9-81ED-4DB2-BD59-A6C34878D82A}">
+                    <a16:rowId xmlns:a16="http://schemas.microsoft.com/office/drawing/2014/main" val="356951086"/>
+                  </a:ext>
+                </a:extLst>
+              </a:tr>
+            </a:tbl>
+          </a:graphicData>
+        </a:graphic>
+      </p:graphicFrame>
     </p:spTree>
     <p:extLst>
       <p:ext uri="{BB962C8B-B14F-4D97-AF65-F5344CB8AC3E}">
